--- a/readme.pptx
+++ b/readme.pptx
@@ -128,6 +128,7 @@
 <p1510:revInfo xmlns:a="http://schemas.openxmlformats.org/drawingml/2006/main" xmlns:r="http://schemas.openxmlformats.org/officeDocument/2006/relationships" xmlns:p1510="http://schemas.microsoft.com/office/powerpoint/2015/10/main">
   <p1510:revLst>
     <p1510:client id="{2771B4FE-F988-4C5B-8BD4-273635D514A8}" v="3417" dt="2025-08-28T10:15:17.025"/>
+    <p1510:client id="{9CF937EB-F9DA-4FC8-95EE-34BA6A384029}" v="62" dt="2025-08-28T10:30:40.629"/>
   </p1510:revLst>
 </p1510:revInfo>
 </file>
@@ -3006,7 +3007,7 @@
         <p:spPr>
           <a:xfrm>
             <a:off x="1524000" y="525617"/>
-            <a:ext cx="9144000" cy="5729382"/>
+            <a:ext cx="9144000" cy="1965286"/>
           </a:xfrm>
         </p:spPr>
         <p:txBody>
@@ -3019,6 +3020,83 @@
               <a:rPr lang="en-US" b="1" dirty="0"/>
               <a:t>Memory Card Game</a:t>
             </a:r>
+            <a:endParaRPr lang="en-US" dirty="0"/>
+          </a:p>
+        </p:txBody>
+      </p:sp>
+      <p:sp>
+        <p:nvSpPr>
+          <p:cNvPr id="3" name="TextBox 2">
+            <a:extLst>
+              <a:ext uri="{FF2B5EF4-FFF2-40B4-BE49-F238E27FC236}">
+                <a16:creationId xmlns:a16="http://schemas.microsoft.com/office/drawing/2014/main" id="{C7999BB6-6343-F571-D2B3-5E8543E45227}"/>
+              </a:ext>
+            </a:extLst>
+          </p:cNvPr>
+          <p:cNvSpPr txBox="1"/>
+          <p:nvPr/>
+        </p:nvSpPr>
+        <p:spPr>
+          <a:xfrm>
+            <a:off x="1564104" y="3779921"/>
+            <a:ext cx="9053763" cy="1200329"/>
+          </a:xfrm>
+          <a:prstGeom prst="rect">
+            <a:avLst/>
+          </a:prstGeom>
+          <a:noFill/>
+        </p:spPr>
+        <p:txBody>
+          <a:bodyPr rot="0" spcFirstLastPara="0" vertOverflow="overflow" horzOverflow="overflow" vert="horz" wrap="square" lIns="91440" tIns="45720" rIns="91440" bIns="45720" numCol="1" spcCol="0" rtlCol="0" fromWordArt="0" anchor="t" anchorCtr="0" forceAA="0" compatLnSpc="1">
+            <a:prstTxWarp prst="textNoShape">
+              <a:avLst/>
+            </a:prstTxWarp>
+            <a:spAutoFit/>
+          </a:bodyPr>
+          <a:lstStyle/>
+          <a:p>
+            <a:r>
+              <a:rPr lang="en-US" dirty="0"/>
+              <a:t>Visit site: </a:t>
+            </a:r>
+            <a:r>
+              <a:rPr lang="en-US" dirty="0">
+                <a:ea typeface="+mn-lt"/>
+                <a:cs typeface="+mn-lt"/>
+                <a:hlinkClick r:id="rId2"/>
+              </a:rPr>
+              <a:t>https://ramandeepchamba.github.io/memory-game-react/</a:t>
+            </a:r>
+            <a:endParaRPr lang="en-US"/>
+          </a:p>
+          <a:p>
+            <a:endParaRPr lang="en-US" dirty="0">
+              <a:ea typeface="+mn-lt"/>
+              <a:cs typeface="+mn-lt"/>
+            </a:endParaRPr>
+          </a:p>
+          <a:p>
+            <a:r>
+              <a:rPr lang="en-US" dirty="0">
+                <a:ea typeface="+mn-lt"/>
+                <a:cs typeface="+mn-lt"/>
+              </a:rPr>
+              <a:t>Source code: </a:t>
+            </a:r>
+            <a:r>
+              <a:rPr lang="en-US" dirty="0">
+                <a:ea typeface="+mn-lt"/>
+                <a:cs typeface="+mn-lt"/>
+                <a:hlinkClick r:id="rId3"/>
+              </a:rPr>
+              <a:t>https://github.com/RamandeepChamba/memory-game-react</a:t>
+            </a:r>
+          </a:p>
+          <a:p>
+            <a:endParaRPr lang="en-US" dirty="0">
+              <a:ea typeface="+mn-lt"/>
+              <a:cs typeface="+mn-lt"/>
+            </a:endParaRPr>
           </a:p>
         </p:txBody>
       </p:sp>

--- a/readme.pptx
+++ b/readme.pptx
@@ -10,14 +10,22 @@
     <p:sldId id="258" r:id="rId4"/>
     <p:sldId id="259" r:id="rId5"/>
     <p:sldId id="269" r:id="rId6"/>
-    <p:sldId id="260" r:id="rId7"/>
-    <p:sldId id="262" r:id="rId8"/>
-    <p:sldId id="267" r:id="rId9"/>
-    <p:sldId id="263" r:id="rId10"/>
-    <p:sldId id="264" r:id="rId11"/>
-    <p:sldId id="265" r:id="rId12"/>
-    <p:sldId id="266" r:id="rId13"/>
-    <p:sldId id="268" r:id="rId14"/>
+    <p:sldId id="270" r:id="rId7"/>
+    <p:sldId id="271" r:id="rId8"/>
+    <p:sldId id="272" r:id="rId9"/>
+    <p:sldId id="273" r:id="rId10"/>
+    <p:sldId id="274" r:id="rId11"/>
+    <p:sldId id="275" r:id="rId12"/>
+    <p:sldId id="276" r:id="rId13"/>
+    <p:sldId id="277" r:id="rId14"/>
+    <p:sldId id="260" r:id="rId15"/>
+    <p:sldId id="262" r:id="rId16"/>
+    <p:sldId id="267" r:id="rId17"/>
+    <p:sldId id="263" r:id="rId18"/>
+    <p:sldId id="264" r:id="rId19"/>
+    <p:sldId id="265" r:id="rId20"/>
+    <p:sldId id="266" r:id="rId21"/>
+    <p:sldId id="268" r:id="rId22"/>
   </p:sldIdLst>
   <p:sldSz cx="12192000" cy="6858000"/>
   <p:notesSz cx="6858000" cy="9144000"/>
@@ -129,6 +137,7 @@
   <p1510:revLst>
     <p1510:client id="{2771B4FE-F988-4C5B-8BD4-273635D514A8}" v="3417" dt="2025-08-28T10:15:17.025"/>
     <p1510:client id="{9CF937EB-F9DA-4FC8-95EE-34BA6A384029}" v="62" dt="2025-08-28T10:30:40.629"/>
+    <p1510:client id="{F96CDC18-137E-484A-A6BC-5D43D14926A5}" v="200" dt="2025-08-29T10:16:49.394"/>
   </p1510:revLst>
 </p1510:revInfo>
 </file>
@@ -264,7 +273,7 @@
           <a:p>
             <a:fld id="{846CE7D5-CF57-46EF-B807-FDD0502418D4}" type="datetimeFigureOut">
               <a:rPr lang="en-US" smtClean="0"/>
-              <a:t>8/28/2025</a:t>
+              <a:t>8/29/2025</a:t>
             </a:fld>
             <a:endParaRPr lang="en-US"/>
           </a:p>
@@ -434,7 +443,7 @@
           <a:p>
             <a:fld id="{846CE7D5-CF57-46EF-B807-FDD0502418D4}" type="datetimeFigureOut">
               <a:rPr lang="en-US" smtClean="0"/>
-              <a:t>8/28/2025</a:t>
+              <a:t>8/29/2025</a:t>
             </a:fld>
             <a:endParaRPr lang="en-US"/>
           </a:p>
@@ -614,7 +623,7 @@
           <a:p>
             <a:fld id="{846CE7D5-CF57-46EF-B807-FDD0502418D4}" type="datetimeFigureOut">
               <a:rPr lang="en-US" smtClean="0"/>
-              <a:t>8/28/2025</a:t>
+              <a:t>8/29/2025</a:t>
             </a:fld>
             <a:endParaRPr lang="en-US"/>
           </a:p>
@@ -784,7 +793,7 @@
           <a:p>
             <a:fld id="{846CE7D5-CF57-46EF-B807-FDD0502418D4}" type="datetimeFigureOut">
               <a:rPr lang="en-US" smtClean="0"/>
-              <a:t>8/28/2025</a:t>
+              <a:t>8/29/2025</a:t>
             </a:fld>
             <a:endParaRPr lang="en-US"/>
           </a:p>
@@ -1030,7 +1039,7 @@
           <a:p>
             <a:fld id="{846CE7D5-CF57-46EF-B807-FDD0502418D4}" type="datetimeFigureOut">
               <a:rPr lang="en-US" smtClean="0"/>
-              <a:t>8/28/2025</a:t>
+              <a:t>8/29/2025</a:t>
             </a:fld>
             <a:endParaRPr lang="en-US"/>
           </a:p>
@@ -1262,7 +1271,7 @@
           <a:p>
             <a:fld id="{846CE7D5-CF57-46EF-B807-FDD0502418D4}" type="datetimeFigureOut">
               <a:rPr lang="en-US" smtClean="0"/>
-              <a:t>8/28/2025</a:t>
+              <a:t>8/29/2025</a:t>
             </a:fld>
             <a:endParaRPr lang="en-US"/>
           </a:p>
@@ -1629,7 +1638,7 @@
           <a:p>
             <a:fld id="{846CE7D5-CF57-46EF-B807-FDD0502418D4}" type="datetimeFigureOut">
               <a:rPr lang="en-US" smtClean="0"/>
-              <a:t>8/28/2025</a:t>
+              <a:t>8/29/2025</a:t>
             </a:fld>
             <a:endParaRPr lang="en-US"/>
           </a:p>
@@ -1747,7 +1756,7 @@
           <a:p>
             <a:fld id="{846CE7D5-CF57-46EF-B807-FDD0502418D4}" type="datetimeFigureOut">
               <a:rPr lang="en-US" smtClean="0"/>
-              <a:t>8/28/2025</a:t>
+              <a:t>8/29/2025</a:t>
             </a:fld>
             <a:endParaRPr lang="en-US"/>
           </a:p>
@@ -1842,7 +1851,7 @@
           <a:p>
             <a:fld id="{846CE7D5-CF57-46EF-B807-FDD0502418D4}" type="datetimeFigureOut">
               <a:rPr lang="en-US" smtClean="0"/>
-              <a:t>8/28/2025</a:t>
+              <a:t>8/29/2025</a:t>
             </a:fld>
             <a:endParaRPr lang="en-US"/>
           </a:p>
@@ -2119,7 +2128,7 @@
           <a:p>
             <a:fld id="{846CE7D5-CF57-46EF-B807-FDD0502418D4}" type="datetimeFigureOut">
               <a:rPr lang="en-US" smtClean="0"/>
-              <a:t>8/28/2025</a:t>
+              <a:t>8/29/2025</a:t>
             </a:fld>
             <a:endParaRPr lang="en-US"/>
           </a:p>
@@ -2376,7 +2385,7 @@
           <a:p>
             <a:fld id="{846CE7D5-CF57-46EF-B807-FDD0502418D4}" type="datetimeFigureOut">
               <a:rPr lang="en-US" smtClean="0"/>
-              <a:t>8/28/2025</a:t>
+              <a:t>8/29/2025</a:t>
             </a:fld>
             <a:endParaRPr lang="en-US"/>
           </a:p>
@@ -2589,7 +2598,7 @@
           <a:p>
             <a:fld id="{846CE7D5-CF57-46EF-B807-FDD0502418D4}" type="datetimeFigureOut">
               <a:rPr lang="en-US" smtClean="0"/>
-              <a:t>8/28/2025</a:t>
+              <a:t>8/29/2025</a:t>
             </a:fld>
             <a:endParaRPr lang="en-US"/>
           </a:p>
@@ -3121,6 +3130,1404 @@
         <p:cNvPr id="1" name="">
           <a:extLst>
             <a:ext uri="{FF2B5EF4-FFF2-40B4-BE49-F238E27FC236}">
+              <a16:creationId xmlns:a16="http://schemas.microsoft.com/office/drawing/2014/main" id="{5FA4E444-F811-E5F8-441C-2A0D0BC17E0F}"/>
+            </a:ext>
+          </a:extLst>
+        </p:cNvPr>
+        <p:cNvGrpSpPr/>
+        <p:nvPr/>
+      </p:nvGrpSpPr>
+      <p:grpSpPr>
+        <a:xfrm>
+          <a:off x="0" y="0"/>
+          <a:ext cx="0" cy="0"/>
+          <a:chOff x="0" y="0"/>
+          <a:chExt cx="0" cy="0"/>
+        </a:xfrm>
+      </p:grpSpPr>
+      <p:sp>
+        <p:nvSpPr>
+          <p:cNvPr id="2" name="Title 1">
+            <a:extLst>
+              <a:ext uri="{FF2B5EF4-FFF2-40B4-BE49-F238E27FC236}">
+                <a16:creationId xmlns:a16="http://schemas.microsoft.com/office/drawing/2014/main" id="{4D5D3BFF-DDF4-D317-3904-1C1A517DED46}"/>
+              </a:ext>
+            </a:extLst>
+          </p:cNvPr>
+          <p:cNvSpPr>
+            <a:spLocks noGrp="1"/>
+          </p:cNvSpPr>
+          <p:nvPr>
+            <p:ph type="title"/>
+          </p:nvPr>
+        </p:nvSpPr>
+        <p:spPr>
+          <a:xfrm>
+            <a:off x="838200" y="104441"/>
+            <a:ext cx="10515600" cy="1325563"/>
+          </a:xfrm>
+        </p:spPr>
+        <p:txBody>
+          <a:bodyPr/>
+          <a:lstStyle/>
+          <a:p>
+            <a:pPr algn="ctr"/>
+            <a:r>
+              <a:rPr lang="en-US" b="1" dirty="0"/>
+              <a:t>Face down unmatched cards</a:t>
+            </a:r>
+            <a:endParaRPr lang="en-US" dirty="0"/>
+          </a:p>
+        </p:txBody>
+      </p:sp>
+      <p:pic>
+        <p:nvPicPr>
+          <p:cNvPr id="4" name="Picture 3" descr="A screenshot of a game&#10;&#10;AI-generated content may be incorrect.">
+            <a:extLst>
+              <a:ext uri="{FF2B5EF4-FFF2-40B4-BE49-F238E27FC236}">
+                <a16:creationId xmlns:a16="http://schemas.microsoft.com/office/drawing/2014/main" id="{9FA3E459-4112-6CDB-A23A-879814E687F2}"/>
+              </a:ext>
+            </a:extLst>
+          </p:cNvPr>
+          <p:cNvPicPr>
+            <a:picLocks noChangeAspect="1"/>
+          </p:cNvPicPr>
+          <p:nvPr/>
+        </p:nvPicPr>
+        <p:blipFill>
+          <a:blip r:embed="rId2"/>
+          <a:stretch>
+            <a:fillRect/>
+          </a:stretch>
+        </p:blipFill>
+        <p:spPr>
+          <a:xfrm>
+            <a:off x="3731651" y="1564105"/>
+            <a:ext cx="4297567" cy="5143500"/>
+          </a:xfrm>
+          <a:prstGeom prst="rect">
+            <a:avLst/>
+          </a:prstGeom>
+        </p:spPr>
+      </p:pic>
+    </p:spTree>
+    <p:extLst>
+      <p:ext uri="{BB962C8B-B14F-4D97-AF65-F5344CB8AC3E}">
+        <p14:creationId xmlns:p14="http://schemas.microsoft.com/office/powerpoint/2010/main" val="2941091942"/>
+      </p:ext>
+    </p:extLst>
+  </p:cSld>
+  <p:clrMapOvr>
+    <a:masterClrMapping/>
+  </p:clrMapOvr>
+</p:sld>
+</file>
+
+<file path=ppt/slides/slide11.xml><?xml version="1.0" encoding="utf-8"?>
+<p:sld xmlns:a="http://schemas.openxmlformats.org/drawingml/2006/main" xmlns:r="http://schemas.openxmlformats.org/officeDocument/2006/relationships" xmlns:p="http://schemas.openxmlformats.org/presentationml/2006/main">
+  <p:cSld>
+    <p:spTree>
+      <p:nvGrpSpPr>
+        <p:cNvPr id="1" name="">
+          <a:extLst>
+            <a:ext uri="{FF2B5EF4-FFF2-40B4-BE49-F238E27FC236}">
+              <a16:creationId xmlns:a16="http://schemas.microsoft.com/office/drawing/2014/main" id="{94E808DB-B727-8E8B-F878-DB7697D8CF78}"/>
+            </a:ext>
+          </a:extLst>
+        </p:cNvPr>
+        <p:cNvGrpSpPr/>
+        <p:nvPr/>
+      </p:nvGrpSpPr>
+      <p:grpSpPr>
+        <a:xfrm>
+          <a:off x="0" y="0"/>
+          <a:ext cx="0" cy="0"/>
+          <a:chOff x="0" y="0"/>
+          <a:chExt cx="0" cy="0"/>
+        </a:xfrm>
+      </p:grpSpPr>
+      <p:sp>
+        <p:nvSpPr>
+          <p:cNvPr id="2" name="Title 1">
+            <a:extLst>
+              <a:ext uri="{FF2B5EF4-FFF2-40B4-BE49-F238E27FC236}">
+                <a16:creationId xmlns:a16="http://schemas.microsoft.com/office/drawing/2014/main" id="{C0E9BA69-6E1A-54EA-A17E-834C46F63707}"/>
+              </a:ext>
+            </a:extLst>
+          </p:cNvPr>
+          <p:cNvSpPr>
+            <a:spLocks noGrp="1"/>
+          </p:cNvSpPr>
+          <p:nvPr>
+            <p:ph type="title"/>
+          </p:nvPr>
+        </p:nvSpPr>
+        <p:spPr>
+          <a:xfrm>
+            <a:off x="838200" y="104441"/>
+            <a:ext cx="10515600" cy="1325563"/>
+          </a:xfrm>
+        </p:spPr>
+        <p:txBody>
+          <a:bodyPr/>
+          <a:lstStyle/>
+          <a:p>
+            <a:pPr algn="ctr"/>
+            <a:r>
+              <a:rPr lang="en-US" b="1" dirty="0"/>
+              <a:t>Cards matched</a:t>
+            </a:r>
+            <a:endParaRPr lang="en-US" dirty="0"/>
+          </a:p>
+        </p:txBody>
+      </p:sp>
+      <p:pic>
+        <p:nvPicPr>
+          <p:cNvPr id="3" name="Picture 2" descr="A screenshot of a game&#10;&#10;AI-generated content may be incorrect.">
+            <a:extLst>
+              <a:ext uri="{FF2B5EF4-FFF2-40B4-BE49-F238E27FC236}">
+                <a16:creationId xmlns:a16="http://schemas.microsoft.com/office/drawing/2014/main" id="{4CADE6E2-E460-B100-75BB-8613F425AF20}"/>
+              </a:ext>
+            </a:extLst>
+          </p:cNvPr>
+          <p:cNvPicPr>
+            <a:picLocks noChangeAspect="1"/>
+          </p:cNvPicPr>
+          <p:nvPr/>
+        </p:nvPicPr>
+        <p:blipFill>
+          <a:blip r:embed="rId2"/>
+          <a:stretch>
+            <a:fillRect/>
+          </a:stretch>
+        </p:blipFill>
+        <p:spPr>
+          <a:xfrm>
+            <a:off x="3987876" y="1433763"/>
+            <a:ext cx="4226275" cy="5253790"/>
+          </a:xfrm>
+          <a:prstGeom prst="rect">
+            <a:avLst/>
+          </a:prstGeom>
+        </p:spPr>
+      </p:pic>
+    </p:spTree>
+    <p:extLst>
+      <p:ext uri="{BB962C8B-B14F-4D97-AF65-F5344CB8AC3E}">
+        <p14:creationId xmlns:p14="http://schemas.microsoft.com/office/powerpoint/2010/main" val="3528823370"/>
+      </p:ext>
+    </p:extLst>
+  </p:cSld>
+  <p:clrMapOvr>
+    <a:masterClrMapping/>
+  </p:clrMapOvr>
+</p:sld>
+</file>
+
+<file path=ppt/slides/slide12.xml><?xml version="1.0" encoding="utf-8"?>
+<p:sld xmlns:a="http://schemas.openxmlformats.org/drawingml/2006/main" xmlns:r="http://schemas.openxmlformats.org/officeDocument/2006/relationships" xmlns:p="http://schemas.openxmlformats.org/presentationml/2006/main">
+  <p:cSld>
+    <p:spTree>
+      <p:nvGrpSpPr>
+        <p:cNvPr id="1" name="">
+          <a:extLst>
+            <a:ext uri="{FF2B5EF4-FFF2-40B4-BE49-F238E27FC236}">
+              <a16:creationId xmlns:a16="http://schemas.microsoft.com/office/drawing/2014/main" id="{E23A74EB-AD5E-B54A-991F-F8F687450DFB}"/>
+            </a:ext>
+          </a:extLst>
+        </p:cNvPr>
+        <p:cNvGrpSpPr/>
+        <p:nvPr/>
+      </p:nvGrpSpPr>
+      <p:grpSpPr>
+        <a:xfrm>
+          <a:off x="0" y="0"/>
+          <a:ext cx="0" cy="0"/>
+          <a:chOff x="0" y="0"/>
+          <a:chExt cx="0" cy="0"/>
+        </a:xfrm>
+      </p:grpSpPr>
+      <p:sp>
+        <p:nvSpPr>
+          <p:cNvPr id="2" name="Title 1">
+            <a:extLst>
+              <a:ext uri="{FF2B5EF4-FFF2-40B4-BE49-F238E27FC236}">
+                <a16:creationId xmlns:a16="http://schemas.microsoft.com/office/drawing/2014/main" id="{8008789C-0CDD-A2C6-B453-20EBCC750527}"/>
+              </a:ext>
+            </a:extLst>
+          </p:cNvPr>
+          <p:cNvSpPr>
+            <a:spLocks noGrp="1"/>
+          </p:cNvSpPr>
+          <p:nvPr>
+            <p:ph type="title"/>
+          </p:nvPr>
+        </p:nvSpPr>
+        <p:spPr>
+          <a:xfrm>
+            <a:off x="838200" y="104441"/>
+            <a:ext cx="10515600" cy="1325563"/>
+          </a:xfrm>
+        </p:spPr>
+        <p:txBody>
+          <a:bodyPr/>
+          <a:lstStyle/>
+          <a:p>
+            <a:pPr algn="ctr"/>
+            <a:r>
+              <a:rPr lang="en-US" b="1" dirty="0"/>
+              <a:t>All cards matched, game ends</a:t>
+            </a:r>
+            <a:endParaRPr lang="en-US" dirty="0"/>
+          </a:p>
+        </p:txBody>
+      </p:sp>
+      <p:pic>
+        <p:nvPicPr>
+          <p:cNvPr id="4" name="Picture 3" descr="A screenshot of a game&#10;&#10;AI-generated content may be incorrect.">
+            <a:extLst>
+              <a:ext uri="{FF2B5EF4-FFF2-40B4-BE49-F238E27FC236}">
+                <a16:creationId xmlns:a16="http://schemas.microsoft.com/office/drawing/2014/main" id="{51E7FD00-220A-9B8F-9787-8C29B15A1C99}"/>
+              </a:ext>
+            </a:extLst>
+          </p:cNvPr>
+          <p:cNvPicPr>
+            <a:picLocks noChangeAspect="1"/>
+          </p:cNvPicPr>
+          <p:nvPr/>
+        </p:nvPicPr>
+        <p:blipFill>
+          <a:blip r:embed="rId2"/>
+          <a:stretch>
+            <a:fillRect/>
+          </a:stretch>
+        </p:blipFill>
+        <p:spPr>
+          <a:xfrm>
+            <a:off x="2916641" y="1213183"/>
+            <a:ext cx="6368745" cy="5424238"/>
+          </a:xfrm>
+          <a:prstGeom prst="rect">
+            <a:avLst/>
+          </a:prstGeom>
+        </p:spPr>
+      </p:pic>
+    </p:spTree>
+    <p:extLst>
+      <p:ext uri="{BB962C8B-B14F-4D97-AF65-F5344CB8AC3E}">
+        <p14:creationId xmlns:p14="http://schemas.microsoft.com/office/powerpoint/2010/main" val="1892489555"/>
+      </p:ext>
+    </p:extLst>
+  </p:cSld>
+  <p:clrMapOvr>
+    <a:masterClrMapping/>
+  </p:clrMapOvr>
+</p:sld>
+</file>
+
+<file path=ppt/slides/slide13.xml><?xml version="1.0" encoding="utf-8"?>
+<p:sld xmlns:a="http://schemas.openxmlformats.org/drawingml/2006/main" xmlns:r="http://schemas.openxmlformats.org/officeDocument/2006/relationships" xmlns:p="http://schemas.openxmlformats.org/presentationml/2006/main">
+  <p:cSld>
+    <p:spTree>
+      <p:nvGrpSpPr>
+        <p:cNvPr id="1" name="">
+          <a:extLst>
+            <a:ext uri="{FF2B5EF4-FFF2-40B4-BE49-F238E27FC236}">
+              <a16:creationId xmlns:a16="http://schemas.microsoft.com/office/drawing/2014/main" id="{F0AFF62A-F0FD-2FBC-EE11-960C4DDA620F}"/>
+            </a:ext>
+          </a:extLst>
+        </p:cNvPr>
+        <p:cNvGrpSpPr/>
+        <p:nvPr/>
+      </p:nvGrpSpPr>
+      <p:grpSpPr>
+        <a:xfrm>
+          <a:off x="0" y="0"/>
+          <a:ext cx="0" cy="0"/>
+          <a:chOff x="0" y="0"/>
+          <a:chExt cx="0" cy="0"/>
+        </a:xfrm>
+      </p:grpSpPr>
+      <p:sp>
+        <p:nvSpPr>
+          <p:cNvPr id="2" name="Title 1">
+            <a:extLst>
+              <a:ext uri="{FF2B5EF4-FFF2-40B4-BE49-F238E27FC236}">
+                <a16:creationId xmlns:a16="http://schemas.microsoft.com/office/drawing/2014/main" id="{08D03E96-0122-3DB7-C70A-63478D0C62ED}"/>
+              </a:ext>
+            </a:extLst>
+          </p:cNvPr>
+          <p:cNvSpPr>
+            <a:spLocks noGrp="1"/>
+          </p:cNvSpPr>
+          <p:nvPr>
+            <p:ph type="title"/>
+          </p:nvPr>
+        </p:nvSpPr>
+        <p:spPr>
+          <a:xfrm>
+            <a:off x="838200" y="104441"/>
+            <a:ext cx="10515600" cy="1325563"/>
+          </a:xfrm>
+        </p:spPr>
+        <p:txBody>
+          <a:bodyPr/>
+          <a:lstStyle/>
+          <a:p>
+            <a:pPr algn="ctr"/>
+            <a:r>
+              <a:rPr lang="en-US" b="1" dirty="0"/>
+              <a:t>Start new game</a:t>
+            </a:r>
+            <a:endParaRPr lang="en-US" dirty="0"/>
+          </a:p>
+        </p:txBody>
+      </p:sp>
+      <p:pic>
+        <p:nvPicPr>
+          <p:cNvPr id="3" name="Picture 2" descr="A screenshot of a game&#10;&#10;AI-generated content may be incorrect.">
+            <a:extLst>
+              <a:ext uri="{FF2B5EF4-FFF2-40B4-BE49-F238E27FC236}">
+                <a16:creationId xmlns:a16="http://schemas.microsoft.com/office/drawing/2014/main" id="{2BE98C53-A94C-E7D3-4935-90F3E2A22340}"/>
+              </a:ext>
+            </a:extLst>
+          </p:cNvPr>
+          <p:cNvPicPr>
+            <a:picLocks noChangeAspect="1"/>
+          </p:cNvPicPr>
+          <p:nvPr/>
+        </p:nvPicPr>
+        <p:blipFill>
+          <a:blip r:embed="rId2"/>
+          <a:stretch>
+            <a:fillRect/>
+          </a:stretch>
+        </p:blipFill>
+        <p:spPr>
+          <a:xfrm>
+            <a:off x="3501067" y="1173078"/>
+            <a:ext cx="5179842" cy="5684922"/>
+          </a:xfrm>
+          <a:prstGeom prst="rect">
+            <a:avLst/>
+          </a:prstGeom>
+        </p:spPr>
+      </p:pic>
+    </p:spTree>
+    <p:extLst>
+      <p:ext uri="{BB962C8B-B14F-4D97-AF65-F5344CB8AC3E}">
+        <p14:creationId xmlns:p14="http://schemas.microsoft.com/office/powerpoint/2010/main" val="581420179"/>
+      </p:ext>
+    </p:extLst>
+  </p:cSld>
+  <p:clrMapOvr>
+    <a:masterClrMapping/>
+  </p:clrMapOvr>
+</p:sld>
+</file>
+
+<file path=ppt/slides/slide14.xml><?xml version="1.0" encoding="utf-8"?>
+<p:sld xmlns:a="http://schemas.openxmlformats.org/drawingml/2006/main" xmlns:r="http://schemas.openxmlformats.org/officeDocument/2006/relationships" xmlns:p="http://schemas.openxmlformats.org/presentationml/2006/main">
+  <p:cSld>
+    <p:spTree>
+      <p:nvGrpSpPr>
+        <p:cNvPr id="1" name=""/>
+        <p:cNvGrpSpPr/>
+        <p:nvPr/>
+      </p:nvGrpSpPr>
+      <p:grpSpPr>
+        <a:xfrm>
+          <a:off x="0" y="0"/>
+          <a:ext cx="0" cy="0"/>
+          <a:chOff x="0" y="0"/>
+          <a:chExt cx="0" cy="0"/>
+        </a:xfrm>
+      </p:grpSpPr>
+      <p:sp>
+        <p:nvSpPr>
+          <p:cNvPr id="2" name="Title 1">
+            <a:extLst>
+              <a:ext uri="{FF2B5EF4-FFF2-40B4-BE49-F238E27FC236}">
+                <a16:creationId xmlns:a16="http://schemas.microsoft.com/office/drawing/2014/main" id="{249867D4-4D6A-971E-48DC-8F5DA71409F4}"/>
+              </a:ext>
+            </a:extLst>
+          </p:cNvPr>
+          <p:cNvSpPr>
+            <a:spLocks noGrp="1"/>
+          </p:cNvSpPr>
+          <p:nvPr>
+            <p:ph type="title"/>
+          </p:nvPr>
+        </p:nvSpPr>
+        <p:spPr>
+          <a:xfrm>
+            <a:off x="838200" y="365125"/>
+            <a:ext cx="10515600" cy="6127081"/>
+          </a:xfrm>
+        </p:spPr>
+        <p:txBody>
+          <a:bodyPr/>
+          <a:lstStyle/>
+          <a:p>
+            <a:pPr algn="ctr"/>
+            <a:r>
+              <a:rPr lang="en-US" b="1" dirty="0"/>
+              <a:t>How app works</a:t>
+            </a:r>
+          </a:p>
+        </p:txBody>
+      </p:sp>
+    </p:spTree>
+    <p:extLst>
+      <p:ext uri="{BB962C8B-B14F-4D97-AF65-F5344CB8AC3E}">
+        <p14:creationId xmlns:p14="http://schemas.microsoft.com/office/powerpoint/2010/main" val="465405067"/>
+      </p:ext>
+    </p:extLst>
+  </p:cSld>
+  <p:clrMapOvr>
+    <a:masterClrMapping/>
+  </p:clrMapOvr>
+</p:sld>
+</file>
+
+<file path=ppt/slides/slide15.xml><?xml version="1.0" encoding="utf-8"?>
+<p:sld xmlns:a="http://schemas.openxmlformats.org/drawingml/2006/main" xmlns:r="http://schemas.openxmlformats.org/officeDocument/2006/relationships" xmlns:p="http://schemas.openxmlformats.org/presentationml/2006/main">
+  <p:cSld>
+    <p:spTree>
+      <p:nvGrpSpPr>
+        <p:cNvPr id="1" name=""/>
+        <p:cNvGrpSpPr/>
+        <p:nvPr/>
+      </p:nvGrpSpPr>
+      <p:grpSpPr>
+        <a:xfrm>
+          <a:off x="0" y="0"/>
+          <a:ext cx="0" cy="0"/>
+          <a:chOff x="0" y="0"/>
+          <a:chExt cx="0" cy="0"/>
+        </a:xfrm>
+      </p:grpSpPr>
+      <p:sp>
+        <p:nvSpPr>
+          <p:cNvPr id="2" name="Title 1">
+            <a:extLst>
+              <a:ext uri="{FF2B5EF4-FFF2-40B4-BE49-F238E27FC236}">
+                <a16:creationId xmlns:a16="http://schemas.microsoft.com/office/drawing/2014/main" id="{1E86CDAF-0EC9-0999-85A6-9A974AC01CB9}"/>
+              </a:ext>
+            </a:extLst>
+          </p:cNvPr>
+          <p:cNvSpPr>
+            <a:spLocks noGrp="1"/>
+          </p:cNvSpPr>
+          <p:nvPr>
+            <p:ph type="title"/>
+          </p:nvPr>
+        </p:nvSpPr>
+        <p:spPr/>
+        <p:txBody>
+          <a:bodyPr/>
+          <a:lstStyle/>
+          <a:p>
+            <a:pPr algn="ctr"/>
+            <a:r>
+              <a:rPr lang="en-US" b="1" dirty="0"/>
+              <a:t>How are cards placed randomly on every new game</a:t>
+            </a:r>
+            <a:endParaRPr lang="en-US"/>
+          </a:p>
+        </p:txBody>
+      </p:sp>
+      <p:sp>
+        <p:nvSpPr>
+          <p:cNvPr id="3" name="Content Placeholder 2">
+            <a:extLst>
+              <a:ext uri="{FF2B5EF4-FFF2-40B4-BE49-F238E27FC236}">
+                <a16:creationId xmlns:a16="http://schemas.microsoft.com/office/drawing/2014/main" id="{D9AC40BB-8365-E069-AC1C-5F21BFFAC699}"/>
+              </a:ext>
+            </a:extLst>
+          </p:cNvPr>
+          <p:cNvSpPr>
+            <a:spLocks noGrp="1"/>
+          </p:cNvSpPr>
+          <p:nvPr>
+            <p:ph idx="1"/>
+          </p:nvPr>
+        </p:nvSpPr>
+        <p:spPr/>
+        <p:txBody>
+          <a:bodyPr vert="horz" lIns="91440" tIns="45720" rIns="91440" bIns="45720" rtlCol="0" anchor="t">
+            <a:normAutofit/>
+          </a:bodyPr>
+          <a:lstStyle/>
+          <a:p>
+            <a:r>
+              <a:rPr lang="en-US" dirty="0"/>
+              <a:t>There's an unshuffled array that contains pair of numbers from 1 to 8 e.g. [1,1,2,2...8,8], so that there are 16 cards and 8 pairs.</a:t>
+            </a:r>
+          </a:p>
+          <a:p>
+            <a:r>
+              <a:rPr lang="en-US" dirty="0"/>
+              <a:t>On every new game, an array is made containing the above numbers randomly placed.</a:t>
+            </a:r>
+          </a:p>
+          <a:p>
+            <a:r>
+              <a:rPr lang="en-US" dirty="0"/>
+              <a:t>We map this array to create cards in our state.</a:t>
+            </a:r>
+          </a:p>
+          <a:p>
+            <a:r>
+              <a:rPr lang="en-US" dirty="0"/>
+              <a:t>For every number – 1 we have an image e.g. 0: Apple, 1: Banana etc.</a:t>
+            </a:r>
+          </a:p>
+          <a:p>
+            <a:r>
+              <a:rPr lang="en-US" dirty="0"/>
+              <a:t>Logic to shuffle array is in </a:t>
+            </a:r>
+            <a:r>
+              <a:rPr lang="en-US" b="1" i="1" dirty="0"/>
+              <a:t>/</a:t>
+            </a:r>
+            <a:r>
+              <a:rPr lang="en-US" b="1" i="1" dirty="0" err="1"/>
+              <a:t>src</a:t>
+            </a:r>
+            <a:r>
+              <a:rPr lang="en-US" b="1" i="1" dirty="0"/>
+              <a:t>/utils/helpers.js</a:t>
+            </a:r>
+          </a:p>
+        </p:txBody>
+      </p:sp>
+    </p:spTree>
+    <p:extLst>
+      <p:ext uri="{BB962C8B-B14F-4D97-AF65-F5344CB8AC3E}">
+        <p14:creationId xmlns:p14="http://schemas.microsoft.com/office/powerpoint/2010/main" val="2226011498"/>
+      </p:ext>
+    </p:extLst>
+  </p:cSld>
+  <p:clrMapOvr>
+    <a:masterClrMapping/>
+  </p:clrMapOvr>
+</p:sld>
+</file>
+
+<file path=ppt/slides/slide16.xml><?xml version="1.0" encoding="utf-8"?>
+<p:sld xmlns:a="http://schemas.openxmlformats.org/drawingml/2006/main" xmlns:r="http://schemas.openxmlformats.org/officeDocument/2006/relationships" xmlns:p="http://schemas.openxmlformats.org/presentationml/2006/main">
+  <p:cSld>
+    <p:spTree>
+      <p:nvGrpSpPr>
+        <p:cNvPr id="1" name=""/>
+        <p:cNvGrpSpPr/>
+        <p:nvPr/>
+      </p:nvGrpSpPr>
+      <p:grpSpPr>
+        <a:xfrm>
+          <a:off x="0" y="0"/>
+          <a:ext cx="0" cy="0"/>
+          <a:chOff x="0" y="0"/>
+          <a:chExt cx="0" cy="0"/>
+        </a:xfrm>
+      </p:grpSpPr>
+      <p:sp>
+        <p:nvSpPr>
+          <p:cNvPr id="2" name="Title 1">
+            <a:extLst>
+              <a:ext uri="{FF2B5EF4-FFF2-40B4-BE49-F238E27FC236}">
+                <a16:creationId xmlns:a16="http://schemas.microsoft.com/office/drawing/2014/main" id="{F0AB2E5D-DD10-04B3-462C-E1EF30ED62C2}"/>
+              </a:ext>
+            </a:extLst>
+          </p:cNvPr>
+          <p:cNvSpPr>
+            <a:spLocks noGrp="1"/>
+          </p:cNvSpPr>
+          <p:nvPr>
+            <p:ph type="title"/>
+          </p:nvPr>
+        </p:nvSpPr>
+        <p:spPr/>
+        <p:txBody>
+          <a:bodyPr/>
+          <a:lstStyle/>
+          <a:p>
+            <a:pPr algn="ctr"/>
+            <a:r>
+              <a:rPr lang="en-US" b="1" dirty="0"/>
+              <a:t>How Timer works</a:t>
+            </a:r>
+            <a:endParaRPr lang="en-US" dirty="0"/>
+          </a:p>
+        </p:txBody>
+      </p:sp>
+      <p:sp>
+        <p:nvSpPr>
+          <p:cNvPr id="3" name="Content Placeholder 2">
+            <a:extLst>
+              <a:ext uri="{FF2B5EF4-FFF2-40B4-BE49-F238E27FC236}">
+                <a16:creationId xmlns:a16="http://schemas.microsoft.com/office/drawing/2014/main" id="{D91FC97B-8CB2-3CA2-C297-B18598EE55C0}"/>
+              </a:ext>
+            </a:extLst>
+          </p:cNvPr>
+          <p:cNvSpPr>
+            <a:spLocks noGrp="1"/>
+          </p:cNvSpPr>
+          <p:nvPr>
+            <p:ph idx="1"/>
+          </p:nvPr>
+        </p:nvSpPr>
+        <p:spPr/>
+        <p:txBody>
+          <a:bodyPr vert="horz" lIns="91440" tIns="45720" rIns="91440" bIns="45720" rtlCol="0" anchor="t">
+            <a:normAutofit/>
+          </a:bodyPr>
+          <a:lstStyle/>
+          <a:p>
+            <a:r>
+              <a:rPr lang="en-US" dirty="0"/>
+              <a:t>When a card is clicked and it is the very first card clicked, create a </a:t>
+            </a:r>
+            <a:r>
+              <a:rPr lang="en-US" dirty="0" err="1"/>
+              <a:t>setInterval</a:t>
+            </a:r>
+            <a:r>
+              <a:rPr lang="en-US" dirty="0"/>
+              <a:t> which will dispatch "</a:t>
+            </a:r>
+            <a:r>
+              <a:rPr lang="en-US" dirty="0" err="1"/>
+              <a:t>increaseTimer</a:t>
+            </a:r>
+            <a:r>
+              <a:rPr lang="en-US" dirty="0"/>
+              <a:t>" action every second.</a:t>
+            </a:r>
+          </a:p>
+          <a:p>
+            <a:r>
+              <a:rPr lang="en-US" dirty="0"/>
+              <a:t>Store this interval reference in state (dispatch "</a:t>
+            </a:r>
+            <a:r>
+              <a:rPr lang="en-US" err="1"/>
+              <a:t>timerStarted</a:t>
+            </a:r>
+            <a:r>
+              <a:rPr lang="en-US" dirty="0"/>
+              <a:t>" action with this reference as payload).</a:t>
+            </a:r>
+          </a:p>
+          <a:p>
+            <a:r>
+              <a:rPr lang="en-US" dirty="0"/>
+              <a:t>On game end, clear this interval using reference, so the time will stop.</a:t>
+            </a:r>
+          </a:p>
+          <a:p>
+            <a:r>
+              <a:rPr lang="en-US" dirty="0"/>
+              <a:t>On new game, clear this interval and set time to 0 (</a:t>
+            </a:r>
+            <a:r>
+              <a:rPr lang="en-US" dirty="0" err="1"/>
+              <a:t>initState</a:t>
+            </a:r>
+            <a:r>
+              <a:rPr lang="en-US" dirty="0"/>
+              <a:t>).</a:t>
+            </a:r>
+          </a:p>
+        </p:txBody>
+      </p:sp>
+    </p:spTree>
+    <p:extLst>
+      <p:ext uri="{BB962C8B-B14F-4D97-AF65-F5344CB8AC3E}">
+        <p14:creationId xmlns:p14="http://schemas.microsoft.com/office/powerpoint/2010/main" val="2275024223"/>
+      </p:ext>
+    </p:extLst>
+  </p:cSld>
+  <p:clrMapOvr>
+    <a:masterClrMapping/>
+  </p:clrMapOvr>
+</p:sld>
+</file>
+
+<file path=ppt/slides/slide17.xml><?xml version="1.0" encoding="utf-8"?>
+<p:sld xmlns:a="http://schemas.openxmlformats.org/drawingml/2006/main" xmlns:r="http://schemas.openxmlformats.org/officeDocument/2006/relationships" xmlns:p="http://schemas.openxmlformats.org/presentationml/2006/main">
+  <p:cSld>
+    <p:spTree>
+      <p:nvGrpSpPr>
+        <p:cNvPr id="1" name=""/>
+        <p:cNvGrpSpPr/>
+        <p:nvPr/>
+      </p:nvGrpSpPr>
+      <p:grpSpPr>
+        <a:xfrm>
+          <a:off x="0" y="0"/>
+          <a:ext cx="0" cy="0"/>
+          <a:chOff x="0" y="0"/>
+          <a:chExt cx="0" cy="0"/>
+        </a:xfrm>
+      </p:grpSpPr>
+      <p:sp>
+        <p:nvSpPr>
+          <p:cNvPr id="2" name="Title 1">
+            <a:extLst>
+              <a:ext uri="{FF2B5EF4-FFF2-40B4-BE49-F238E27FC236}">
+                <a16:creationId xmlns:a16="http://schemas.microsoft.com/office/drawing/2014/main" id="{F52370DF-2562-C4C1-77F5-579489E79E92}"/>
+              </a:ext>
+            </a:extLst>
+          </p:cNvPr>
+          <p:cNvSpPr>
+            <a:spLocks noGrp="1"/>
+          </p:cNvSpPr>
+          <p:nvPr>
+            <p:ph type="title"/>
+          </p:nvPr>
+        </p:nvSpPr>
+        <p:spPr/>
+        <p:txBody>
+          <a:bodyPr/>
+          <a:lstStyle/>
+          <a:p>
+            <a:pPr algn="ctr"/>
+            <a:r>
+              <a:rPr lang="en-US" b="1" dirty="0"/>
+              <a:t>New game started</a:t>
+            </a:r>
+            <a:endParaRPr lang="en-US"/>
+          </a:p>
+        </p:txBody>
+      </p:sp>
+      <p:sp>
+        <p:nvSpPr>
+          <p:cNvPr id="13" name="Arrow: Right 12">
+            <a:extLst>
+              <a:ext uri="{FF2B5EF4-FFF2-40B4-BE49-F238E27FC236}">
+                <a16:creationId xmlns:a16="http://schemas.microsoft.com/office/drawing/2014/main" id="{2C080EC2-BD29-83DB-C8FB-D9A4C44CF009}"/>
+              </a:ext>
+            </a:extLst>
+          </p:cNvPr>
+          <p:cNvSpPr/>
+          <p:nvPr/>
+        </p:nvSpPr>
+        <p:spPr>
+          <a:xfrm>
+            <a:off x="3019199" y="2929656"/>
+            <a:ext cx="1012520" cy="386219"/>
+          </a:xfrm>
+          <a:prstGeom prst="rightArrow">
+            <a:avLst/>
+          </a:prstGeom>
+        </p:spPr>
+        <p:style>
+          <a:lnRef idx="2">
+            <a:schemeClr val="accent2">
+              <a:shade val="15000"/>
+            </a:schemeClr>
+          </a:lnRef>
+          <a:fillRef idx="1">
+            <a:schemeClr val="accent2"/>
+          </a:fillRef>
+          <a:effectRef idx="0">
+            <a:schemeClr val="accent2"/>
+          </a:effectRef>
+          <a:fontRef idx="minor">
+            <a:schemeClr val="lt1"/>
+          </a:fontRef>
+        </p:style>
+        <p:txBody>
+          <a:bodyPr rtlCol="0" anchor="ctr"/>
+          <a:lstStyle>
+            <a:defPPr>
+              <a:defRPr lang="en-US"/>
+            </a:defPPr>
+            <a:lvl1pPr marL="0" algn="l" defTabSz="914400" rtl="0" eaLnBrk="1" latinLnBrk="0" hangingPunct="1">
+              <a:defRPr sz="1800" kern="1200">
+                <a:solidFill>
+                  <a:schemeClr val="lt1"/>
+                </a:solidFill>
+                <a:latin typeface="+mn-lt"/>
+                <a:ea typeface="+mn-ea"/>
+                <a:cs typeface="+mn-cs"/>
+              </a:defRPr>
+            </a:lvl1pPr>
+            <a:lvl2pPr marL="457200" algn="l" defTabSz="914400" rtl="0" eaLnBrk="1" latinLnBrk="0" hangingPunct="1">
+              <a:defRPr sz="1800" kern="1200">
+                <a:solidFill>
+                  <a:schemeClr val="lt1"/>
+                </a:solidFill>
+                <a:latin typeface="+mn-lt"/>
+                <a:ea typeface="+mn-ea"/>
+                <a:cs typeface="+mn-cs"/>
+              </a:defRPr>
+            </a:lvl2pPr>
+            <a:lvl3pPr marL="914400" algn="l" defTabSz="914400" rtl="0" eaLnBrk="1" latinLnBrk="0" hangingPunct="1">
+              <a:defRPr sz="1800" kern="1200">
+                <a:solidFill>
+                  <a:schemeClr val="lt1"/>
+                </a:solidFill>
+                <a:latin typeface="+mn-lt"/>
+                <a:ea typeface="+mn-ea"/>
+                <a:cs typeface="+mn-cs"/>
+              </a:defRPr>
+            </a:lvl3pPr>
+            <a:lvl4pPr marL="1371600" algn="l" defTabSz="914400" rtl="0" eaLnBrk="1" latinLnBrk="0" hangingPunct="1">
+              <a:defRPr sz="1800" kern="1200">
+                <a:solidFill>
+                  <a:schemeClr val="lt1"/>
+                </a:solidFill>
+                <a:latin typeface="+mn-lt"/>
+                <a:ea typeface="+mn-ea"/>
+                <a:cs typeface="+mn-cs"/>
+              </a:defRPr>
+            </a:lvl4pPr>
+            <a:lvl5pPr marL="1828800" algn="l" defTabSz="914400" rtl="0" eaLnBrk="1" latinLnBrk="0" hangingPunct="1">
+              <a:defRPr sz="1800" kern="1200">
+                <a:solidFill>
+                  <a:schemeClr val="lt1"/>
+                </a:solidFill>
+                <a:latin typeface="+mn-lt"/>
+                <a:ea typeface="+mn-ea"/>
+                <a:cs typeface="+mn-cs"/>
+              </a:defRPr>
+            </a:lvl5pPr>
+            <a:lvl6pPr marL="2286000" algn="l" defTabSz="914400" rtl="0" eaLnBrk="1" latinLnBrk="0" hangingPunct="1">
+              <a:defRPr sz="1800" kern="1200">
+                <a:solidFill>
+                  <a:schemeClr val="lt1"/>
+                </a:solidFill>
+                <a:latin typeface="+mn-lt"/>
+                <a:ea typeface="+mn-ea"/>
+                <a:cs typeface="+mn-cs"/>
+              </a:defRPr>
+            </a:lvl6pPr>
+            <a:lvl7pPr marL="2743200" algn="l" defTabSz="914400" rtl="0" eaLnBrk="1" latinLnBrk="0" hangingPunct="1">
+              <a:defRPr sz="1800" kern="1200">
+                <a:solidFill>
+                  <a:schemeClr val="lt1"/>
+                </a:solidFill>
+                <a:latin typeface="+mn-lt"/>
+                <a:ea typeface="+mn-ea"/>
+                <a:cs typeface="+mn-cs"/>
+              </a:defRPr>
+            </a:lvl7pPr>
+            <a:lvl8pPr marL="3200400" algn="l" defTabSz="914400" rtl="0" eaLnBrk="1" latinLnBrk="0" hangingPunct="1">
+              <a:defRPr sz="1800" kern="1200">
+                <a:solidFill>
+                  <a:schemeClr val="lt1"/>
+                </a:solidFill>
+                <a:latin typeface="+mn-lt"/>
+                <a:ea typeface="+mn-ea"/>
+                <a:cs typeface="+mn-cs"/>
+              </a:defRPr>
+            </a:lvl8pPr>
+            <a:lvl9pPr marL="3657600" algn="l" defTabSz="914400" rtl="0" eaLnBrk="1" latinLnBrk="0" hangingPunct="1">
+              <a:defRPr sz="1800" kern="1200">
+                <a:solidFill>
+                  <a:schemeClr val="lt1"/>
+                </a:solidFill>
+                <a:latin typeface="+mn-lt"/>
+                <a:ea typeface="+mn-ea"/>
+                <a:cs typeface="+mn-cs"/>
+              </a:defRPr>
+            </a:lvl9pPr>
+          </a:lstStyle>
+          <a:p>
+            <a:pPr algn="ctr"/>
+            <a:endParaRPr lang="en-US"/>
+          </a:p>
+        </p:txBody>
+      </p:sp>
+      <p:sp>
+        <p:nvSpPr>
+          <p:cNvPr id="17" name="Flowchart: Process 16">
+            <a:extLst>
+              <a:ext uri="{FF2B5EF4-FFF2-40B4-BE49-F238E27FC236}">
+                <a16:creationId xmlns:a16="http://schemas.microsoft.com/office/drawing/2014/main" id="{C6A74717-07FA-1BC6-EAAC-AFE4D702341D}"/>
+              </a:ext>
+            </a:extLst>
+          </p:cNvPr>
+          <p:cNvSpPr/>
+          <p:nvPr/>
+        </p:nvSpPr>
+        <p:spPr>
+          <a:xfrm>
+            <a:off x="4029205" y="1960019"/>
+            <a:ext cx="3937145" cy="3156784"/>
+          </a:xfrm>
+          <a:prstGeom prst="flowChartProcess">
+            <a:avLst/>
+          </a:prstGeom>
+        </p:spPr>
+        <p:style>
+          <a:lnRef idx="2">
+            <a:schemeClr val="accent1">
+              <a:shade val="15000"/>
+            </a:schemeClr>
+          </a:lnRef>
+          <a:fillRef idx="1">
+            <a:schemeClr val="accent1"/>
+          </a:fillRef>
+          <a:effectRef idx="0">
+            <a:schemeClr val="accent1"/>
+          </a:effectRef>
+          <a:fontRef idx="minor">
+            <a:schemeClr val="lt1"/>
+          </a:fontRef>
+        </p:style>
+        <p:txBody>
+          <a:bodyPr lIns="91440" tIns="45720" rIns="91440" bIns="45720" rtlCol="0" anchor="ctr"/>
+          <a:lstStyle>
+            <a:defPPr>
+              <a:defRPr lang="en-US"/>
+            </a:defPPr>
+            <a:lvl1pPr marL="0" algn="l" defTabSz="914400" rtl="0" eaLnBrk="1" latinLnBrk="0" hangingPunct="1">
+              <a:defRPr sz="1800" kern="1200">
+                <a:solidFill>
+                  <a:schemeClr val="lt1"/>
+                </a:solidFill>
+                <a:latin typeface="+mn-lt"/>
+                <a:ea typeface="+mn-ea"/>
+                <a:cs typeface="+mn-cs"/>
+              </a:defRPr>
+            </a:lvl1pPr>
+            <a:lvl2pPr marL="457200" algn="l" defTabSz="914400" rtl="0" eaLnBrk="1" latinLnBrk="0" hangingPunct="1">
+              <a:defRPr sz="1800" kern="1200">
+                <a:solidFill>
+                  <a:schemeClr val="lt1"/>
+                </a:solidFill>
+                <a:latin typeface="+mn-lt"/>
+                <a:ea typeface="+mn-ea"/>
+                <a:cs typeface="+mn-cs"/>
+              </a:defRPr>
+            </a:lvl2pPr>
+            <a:lvl3pPr marL="914400" algn="l" defTabSz="914400" rtl="0" eaLnBrk="1" latinLnBrk="0" hangingPunct="1">
+              <a:defRPr sz="1800" kern="1200">
+                <a:solidFill>
+                  <a:schemeClr val="lt1"/>
+                </a:solidFill>
+                <a:latin typeface="+mn-lt"/>
+                <a:ea typeface="+mn-ea"/>
+                <a:cs typeface="+mn-cs"/>
+              </a:defRPr>
+            </a:lvl3pPr>
+            <a:lvl4pPr marL="1371600" algn="l" defTabSz="914400" rtl="0" eaLnBrk="1" latinLnBrk="0" hangingPunct="1">
+              <a:defRPr sz="1800" kern="1200">
+                <a:solidFill>
+                  <a:schemeClr val="lt1"/>
+                </a:solidFill>
+                <a:latin typeface="+mn-lt"/>
+                <a:ea typeface="+mn-ea"/>
+                <a:cs typeface="+mn-cs"/>
+              </a:defRPr>
+            </a:lvl4pPr>
+            <a:lvl5pPr marL="1828800" algn="l" defTabSz="914400" rtl="0" eaLnBrk="1" latinLnBrk="0" hangingPunct="1">
+              <a:defRPr sz="1800" kern="1200">
+                <a:solidFill>
+                  <a:schemeClr val="lt1"/>
+                </a:solidFill>
+                <a:latin typeface="+mn-lt"/>
+                <a:ea typeface="+mn-ea"/>
+                <a:cs typeface="+mn-cs"/>
+              </a:defRPr>
+            </a:lvl5pPr>
+            <a:lvl6pPr marL="2286000" algn="l" defTabSz="914400" rtl="0" eaLnBrk="1" latinLnBrk="0" hangingPunct="1">
+              <a:defRPr sz="1800" kern="1200">
+                <a:solidFill>
+                  <a:schemeClr val="lt1"/>
+                </a:solidFill>
+                <a:latin typeface="+mn-lt"/>
+                <a:ea typeface="+mn-ea"/>
+                <a:cs typeface="+mn-cs"/>
+              </a:defRPr>
+            </a:lvl6pPr>
+            <a:lvl7pPr marL="2743200" algn="l" defTabSz="914400" rtl="0" eaLnBrk="1" latinLnBrk="0" hangingPunct="1">
+              <a:defRPr sz="1800" kern="1200">
+                <a:solidFill>
+                  <a:schemeClr val="lt1"/>
+                </a:solidFill>
+                <a:latin typeface="+mn-lt"/>
+                <a:ea typeface="+mn-ea"/>
+                <a:cs typeface="+mn-cs"/>
+              </a:defRPr>
+            </a:lvl7pPr>
+            <a:lvl8pPr marL="3200400" algn="l" defTabSz="914400" rtl="0" eaLnBrk="1" latinLnBrk="0" hangingPunct="1">
+              <a:defRPr sz="1800" kern="1200">
+                <a:solidFill>
+                  <a:schemeClr val="lt1"/>
+                </a:solidFill>
+                <a:latin typeface="+mn-lt"/>
+                <a:ea typeface="+mn-ea"/>
+                <a:cs typeface="+mn-cs"/>
+              </a:defRPr>
+            </a:lvl8pPr>
+            <a:lvl9pPr marL="3657600" algn="l" defTabSz="914400" rtl="0" eaLnBrk="1" latinLnBrk="0" hangingPunct="1">
+              <a:defRPr sz="1800" kern="1200">
+                <a:solidFill>
+                  <a:schemeClr val="lt1"/>
+                </a:solidFill>
+                <a:latin typeface="+mn-lt"/>
+                <a:ea typeface="+mn-ea"/>
+                <a:cs typeface="+mn-cs"/>
+              </a:defRPr>
+            </a:lvl9pPr>
+          </a:lstStyle>
+          <a:p>
+            <a:pPr marL="285750" indent="-285750">
+              <a:buFont typeface="Arial"/>
+              <a:buChar char="•"/>
+            </a:pPr>
+            <a:r>
+              <a:rPr lang="en-US" dirty="0"/>
+              <a:t>Make shuffled array by shuffling original array (1,1,2,2...8,8). </a:t>
+            </a:r>
+          </a:p>
+          <a:p>
+            <a:pPr marL="285750" indent="-285750">
+              <a:buFont typeface="Arial"/>
+              <a:buChar char="•"/>
+            </a:pPr>
+            <a:r>
+              <a:rPr lang="en-US" dirty="0"/>
+              <a:t>Make cards array by mapping over shuffled array.</a:t>
+            </a:r>
+          </a:p>
+          <a:p>
+            <a:pPr marL="285750" indent="-285750">
+              <a:buFont typeface="Arial"/>
+              <a:buChar char="•"/>
+            </a:pPr>
+            <a:r>
+              <a:rPr lang="en-US" dirty="0"/>
+              <a:t>remove timer </a:t>
+            </a:r>
+            <a:r>
+              <a:rPr lang="en-US" dirty="0" err="1"/>
+              <a:t>setInterval</a:t>
+            </a:r>
+            <a:r>
+              <a:rPr lang="en-US" dirty="0"/>
+              <a:t>.</a:t>
+            </a:r>
+          </a:p>
+          <a:p>
+            <a:pPr marL="285750" indent="-285750">
+              <a:buFont typeface="Arial"/>
+              <a:buChar char="•"/>
+            </a:pPr>
+            <a:r>
+              <a:rPr lang="en-US" dirty="0"/>
+              <a:t>reset state to </a:t>
+            </a:r>
+            <a:r>
+              <a:rPr lang="en-US" dirty="0" err="1"/>
+              <a:t>initState</a:t>
+            </a:r>
+            <a:r>
+              <a:rPr lang="en-US" dirty="0"/>
+              <a:t>.</a:t>
+            </a:r>
+          </a:p>
+          <a:p>
+            <a:pPr marL="285750" indent="-285750">
+              <a:buFont typeface="Arial"/>
+              <a:buChar char="•"/>
+            </a:pPr>
+            <a:r>
+              <a:rPr lang="en-US" dirty="0"/>
+              <a:t>store our cards array in state.</a:t>
+            </a:r>
+          </a:p>
+          <a:p>
+            <a:pPr marL="285750" indent="-285750">
+              <a:buFont typeface="Arial"/>
+              <a:buChar char="•"/>
+            </a:pPr>
+            <a:r>
+              <a:rPr lang="en-US" dirty="0"/>
+              <a:t>change status to "playing"</a:t>
+            </a:r>
+          </a:p>
+        </p:txBody>
+      </p:sp>
+      <p:sp>
+        <p:nvSpPr>
+          <p:cNvPr id="19" name="Oval 18">
+            <a:extLst>
+              <a:ext uri="{FF2B5EF4-FFF2-40B4-BE49-F238E27FC236}">
+                <a16:creationId xmlns:a16="http://schemas.microsoft.com/office/drawing/2014/main" id="{C9F48EC5-D5F2-AA2C-AA64-9A08AF96A512}"/>
+              </a:ext>
+            </a:extLst>
+          </p:cNvPr>
+          <p:cNvSpPr/>
+          <p:nvPr/>
+        </p:nvSpPr>
+        <p:spPr>
+          <a:xfrm>
+            <a:off x="847141" y="2503444"/>
+            <a:ext cx="2171178" cy="1294356"/>
+          </a:xfrm>
+          <a:prstGeom prst="ellipse">
+            <a:avLst/>
+          </a:prstGeom>
+        </p:spPr>
+        <p:style>
+          <a:lnRef idx="2">
+            <a:schemeClr val="accent1">
+              <a:shade val="15000"/>
+            </a:schemeClr>
+          </a:lnRef>
+          <a:fillRef idx="1">
+            <a:schemeClr val="accent1"/>
+          </a:fillRef>
+          <a:effectRef idx="0">
+            <a:schemeClr val="accent1"/>
+          </a:effectRef>
+          <a:fontRef idx="minor">
+            <a:schemeClr val="lt1"/>
+          </a:fontRef>
+        </p:style>
+        <p:txBody>
+          <a:bodyPr rtlCol="0" anchor="ctr"/>
+          <a:lstStyle/>
+          <a:p>
+            <a:pPr algn="ctr"/>
+            <a:r>
+              <a:rPr lang="en-US" sz="1800" baseline="0">
+                <a:solidFill>
+                  <a:srgbClr val="FFFFFF"/>
+                </a:solidFill>
+                <a:latin typeface="Aptos"/>
+              </a:rPr>
+              <a:t>New game button clicked</a:t>
+            </a:r>
+            <a:r>
+              <a:rPr lang="en-US" sz="1800">
+                <a:latin typeface="Aptos"/>
+                <a:ea typeface="Aptos"/>
+                <a:cs typeface="Aptos"/>
+              </a:rPr>
+              <a:t>​</a:t>
+            </a:r>
+            <a:endParaRPr lang="en-US"/>
+          </a:p>
+        </p:txBody>
+      </p:sp>
+      <p:sp>
+        <p:nvSpPr>
+          <p:cNvPr id="20" name="Arrow: Right 19">
+            <a:extLst>
+              <a:ext uri="{FF2B5EF4-FFF2-40B4-BE49-F238E27FC236}">
+                <a16:creationId xmlns:a16="http://schemas.microsoft.com/office/drawing/2014/main" id="{79B12C4C-3F3A-3B34-E512-46918AB1DE9B}"/>
+              </a:ext>
+            </a:extLst>
+          </p:cNvPr>
+          <p:cNvSpPr/>
+          <p:nvPr/>
+        </p:nvSpPr>
+        <p:spPr>
+          <a:xfrm>
+            <a:off x="7967608" y="2929655"/>
+            <a:ext cx="1012520" cy="386219"/>
+          </a:xfrm>
+          <a:prstGeom prst="rightArrow">
+            <a:avLst/>
+          </a:prstGeom>
+        </p:spPr>
+        <p:style>
+          <a:lnRef idx="2">
+            <a:schemeClr val="accent2">
+              <a:shade val="15000"/>
+            </a:schemeClr>
+          </a:lnRef>
+          <a:fillRef idx="1">
+            <a:schemeClr val="accent2"/>
+          </a:fillRef>
+          <a:effectRef idx="0">
+            <a:schemeClr val="accent2"/>
+          </a:effectRef>
+          <a:fontRef idx="minor">
+            <a:schemeClr val="lt1"/>
+          </a:fontRef>
+        </p:style>
+        <p:txBody>
+          <a:bodyPr rtlCol="0" anchor="ctr"/>
+          <a:lstStyle>
+            <a:defPPr>
+              <a:defRPr lang="en-US"/>
+            </a:defPPr>
+            <a:lvl1pPr marL="0" algn="l" defTabSz="914400" rtl="0" eaLnBrk="1" latinLnBrk="0" hangingPunct="1">
+              <a:defRPr sz="1800" kern="1200">
+                <a:solidFill>
+                  <a:schemeClr val="lt1"/>
+                </a:solidFill>
+                <a:latin typeface="+mn-lt"/>
+                <a:ea typeface="+mn-ea"/>
+                <a:cs typeface="+mn-cs"/>
+              </a:defRPr>
+            </a:lvl1pPr>
+            <a:lvl2pPr marL="457200" algn="l" defTabSz="914400" rtl="0" eaLnBrk="1" latinLnBrk="0" hangingPunct="1">
+              <a:defRPr sz="1800" kern="1200">
+                <a:solidFill>
+                  <a:schemeClr val="lt1"/>
+                </a:solidFill>
+                <a:latin typeface="+mn-lt"/>
+                <a:ea typeface="+mn-ea"/>
+                <a:cs typeface="+mn-cs"/>
+              </a:defRPr>
+            </a:lvl2pPr>
+            <a:lvl3pPr marL="914400" algn="l" defTabSz="914400" rtl="0" eaLnBrk="1" latinLnBrk="0" hangingPunct="1">
+              <a:defRPr sz="1800" kern="1200">
+                <a:solidFill>
+                  <a:schemeClr val="lt1"/>
+                </a:solidFill>
+                <a:latin typeface="+mn-lt"/>
+                <a:ea typeface="+mn-ea"/>
+                <a:cs typeface="+mn-cs"/>
+              </a:defRPr>
+            </a:lvl3pPr>
+            <a:lvl4pPr marL="1371600" algn="l" defTabSz="914400" rtl="0" eaLnBrk="1" latinLnBrk="0" hangingPunct="1">
+              <a:defRPr sz="1800" kern="1200">
+                <a:solidFill>
+                  <a:schemeClr val="lt1"/>
+                </a:solidFill>
+                <a:latin typeface="+mn-lt"/>
+                <a:ea typeface="+mn-ea"/>
+                <a:cs typeface="+mn-cs"/>
+              </a:defRPr>
+            </a:lvl4pPr>
+            <a:lvl5pPr marL="1828800" algn="l" defTabSz="914400" rtl="0" eaLnBrk="1" latinLnBrk="0" hangingPunct="1">
+              <a:defRPr sz="1800" kern="1200">
+                <a:solidFill>
+                  <a:schemeClr val="lt1"/>
+                </a:solidFill>
+                <a:latin typeface="+mn-lt"/>
+                <a:ea typeface="+mn-ea"/>
+                <a:cs typeface="+mn-cs"/>
+              </a:defRPr>
+            </a:lvl5pPr>
+            <a:lvl6pPr marL="2286000" algn="l" defTabSz="914400" rtl="0" eaLnBrk="1" latinLnBrk="0" hangingPunct="1">
+              <a:defRPr sz="1800" kern="1200">
+                <a:solidFill>
+                  <a:schemeClr val="lt1"/>
+                </a:solidFill>
+                <a:latin typeface="+mn-lt"/>
+                <a:ea typeface="+mn-ea"/>
+                <a:cs typeface="+mn-cs"/>
+              </a:defRPr>
+            </a:lvl6pPr>
+            <a:lvl7pPr marL="2743200" algn="l" defTabSz="914400" rtl="0" eaLnBrk="1" latinLnBrk="0" hangingPunct="1">
+              <a:defRPr sz="1800" kern="1200">
+                <a:solidFill>
+                  <a:schemeClr val="lt1"/>
+                </a:solidFill>
+                <a:latin typeface="+mn-lt"/>
+                <a:ea typeface="+mn-ea"/>
+                <a:cs typeface="+mn-cs"/>
+              </a:defRPr>
+            </a:lvl7pPr>
+            <a:lvl8pPr marL="3200400" algn="l" defTabSz="914400" rtl="0" eaLnBrk="1" latinLnBrk="0" hangingPunct="1">
+              <a:defRPr sz="1800" kern="1200">
+                <a:solidFill>
+                  <a:schemeClr val="lt1"/>
+                </a:solidFill>
+                <a:latin typeface="+mn-lt"/>
+                <a:ea typeface="+mn-ea"/>
+                <a:cs typeface="+mn-cs"/>
+              </a:defRPr>
+            </a:lvl8pPr>
+            <a:lvl9pPr marL="3657600" algn="l" defTabSz="914400" rtl="0" eaLnBrk="1" latinLnBrk="0" hangingPunct="1">
+              <a:defRPr sz="1800" kern="1200">
+                <a:solidFill>
+                  <a:schemeClr val="lt1"/>
+                </a:solidFill>
+                <a:latin typeface="+mn-lt"/>
+                <a:ea typeface="+mn-ea"/>
+                <a:cs typeface="+mn-cs"/>
+              </a:defRPr>
+            </a:lvl9pPr>
+          </a:lstStyle>
+          <a:p>
+            <a:pPr algn="ctr"/>
+            <a:endParaRPr lang="en-US"/>
+          </a:p>
+        </p:txBody>
+      </p:sp>
+      <p:sp>
+        <p:nvSpPr>
+          <p:cNvPr id="21" name="Rectangle 20">
+            <a:extLst>
+              <a:ext uri="{FF2B5EF4-FFF2-40B4-BE49-F238E27FC236}">
+                <a16:creationId xmlns:a16="http://schemas.microsoft.com/office/drawing/2014/main" id="{8272EC07-A243-2621-0DE3-17B43C2F679F}"/>
+              </a:ext>
+            </a:extLst>
+          </p:cNvPr>
+          <p:cNvSpPr/>
+          <p:nvPr/>
+        </p:nvSpPr>
+        <p:spPr>
+          <a:xfrm>
+            <a:off x="8979502" y="2305115"/>
+            <a:ext cx="2661780" cy="1638821"/>
+          </a:xfrm>
+          <a:prstGeom prst="rect">
+            <a:avLst/>
+          </a:prstGeom>
+        </p:spPr>
+        <p:style>
+          <a:lnRef idx="2">
+            <a:schemeClr val="accent1">
+              <a:shade val="15000"/>
+            </a:schemeClr>
+          </a:lnRef>
+          <a:fillRef idx="1">
+            <a:schemeClr val="accent1"/>
+          </a:fillRef>
+          <a:effectRef idx="0">
+            <a:schemeClr val="accent1"/>
+          </a:effectRef>
+          <a:fontRef idx="minor">
+            <a:schemeClr val="lt1"/>
+          </a:fontRef>
+        </p:style>
+        <p:txBody>
+          <a:bodyPr rtlCol="0" anchor="ctr"/>
+          <a:lstStyle/>
+          <a:p>
+            <a:pPr algn="ctr"/>
+            <a:r>
+              <a:rPr lang="en-US" dirty="0"/>
+              <a:t>As state updates, cards are rendered, faced-down.</a:t>
+            </a:r>
+          </a:p>
+        </p:txBody>
+      </p:sp>
+    </p:spTree>
+    <p:extLst>
+      <p:ext uri="{BB962C8B-B14F-4D97-AF65-F5344CB8AC3E}">
+        <p14:creationId xmlns:p14="http://schemas.microsoft.com/office/powerpoint/2010/main" val="36349923"/>
+      </p:ext>
+    </p:extLst>
+  </p:cSld>
+  <p:clrMapOvr>
+    <a:masterClrMapping/>
+  </p:clrMapOvr>
+</p:sld>
+</file>
+
+<file path=ppt/slides/slide18.xml><?xml version="1.0" encoding="utf-8"?>
+<p:sld xmlns:a="http://schemas.openxmlformats.org/drawingml/2006/main" xmlns:r="http://schemas.openxmlformats.org/officeDocument/2006/relationships" xmlns:p="http://schemas.openxmlformats.org/presentationml/2006/main">
+  <p:cSld>
+    <p:spTree>
+      <p:nvGrpSpPr>
+        <p:cNvPr id="1" name="">
+          <a:extLst>
+            <a:ext uri="{FF2B5EF4-FFF2-40B4-BE49-F238E27FC236}">
               <a16:creationId xmlns:a16="http://schemas.microsoft.com/office/drawing/2014/main" id="{BA012350-2A9A-5220-30F6-1955A40646E5}"/>
             </a:ext>
           </a:extLst>
@@ -4000,7 +5407,7 @@
 </p:sld>
 </file>
 
-<file path=ppt/slides/slide11.xml><?xml version="1.0" encoding="utf-8"?>
+<file path=ppt/slides/slide19.xml><?xml version="1.0" encoding="utf-8"?>
 <p:sld xmlns:a="http://schemas.openxmlformats.org/drawingml/2006/main" xmlns:r="http://schemas.openxmlformats.org/officeDocument/2006/relationships" xmlns:p="http://schemas.openxmlformats.org/presentationml/2006/main">
   <p:cSld>
     <p:spTree>
@@ -4790,893 +6197,6 @@
     <p:extLst>
       <p:ext uri="{BB962C8B-B14F-4D97-AF65-F5344CB8AC3E}">
         <p14:creationId xmlns:p14="http://schemas.microsoft.com/office/powerpoint/2010/main" val="330338535"/>
-      </p:ext>
-    </p:extLst>
-  </p:cSld>
-  <p:clrMapOvr>
-    <a:masterClrMapping/>
-  </p:clrMapOvr>
-</p:sld>
-</file>
-
-<file path=ppt/slides/slide12.xml><?xml version="1.0" encoding="utf-8"?>
-<p:sld xmlns:a="http://schemas.openxmlformats.org/drawingml/2006/main" xmlns:r="http://schemas.openxmlformats.org/officeDocument/2006/relationships" xmlns:p="http://schemas.openxmlformats.org/presentationml/2006/main">
-  <p:cSld>
-    <p:spTree>
-      <p:nvGrpSpPr>
-        <p:cNvPr id="1" name=""/>
-        <p:cNvGrpSpPr/>
-        <p:nvPr/>
-      </p:nvGrpSpPr>
-      <p:grpSpPr>
-        <a:xfrm>
-          <a:off x="0" y="0"/>
-          <a:ext cx="0" cy="0"/>
-          <a:chOff x="0" y="0"/>
-          <a:chExt cx="0" cy="0"/>
-        </a:xfrm>
-      </p:grpSpPr>
-      <p:sp>
-        <p:nvSpPr>
-          <p:cNvPr id="5" name="Flowchart: Off-page Connector 4">
-            <a:extLst>
-              <a:ext uri="{FF2B5EF4-FFF2-40B4-BE49-F238E27FC236}">
-                <a16:creationId xmlns:a16="http://schemas.microsoft.com/office/drawing/2014/main" id="{B1ABB45E-B707-8AF4-5402-72ABDDBA419C}"/>
-              </a:ext>
-            </a:extLst>
-          </p:cNvPr>
-          <p:cNvSpPr/>
-          <p:nvPr/>
-        </p:nvSpPr>
-        <p:spPr>
-          <a:xfrm>
-            <a:off x="2082137" y="810291"/>
-            <a:ext cx="1137780" cy="1388301"/>
-          </a:xfrm>
-          <a:prstGeom prst="flowChartOffpageConnector">
-            <a:avLst/>
-          </a:prstGeom>
-        </p:spPr>
-        <p:style>
-          <a:lnRef idx="2">
-            <a:schemeClr val="accent1">
-              <a:shade val="15000"/>
-            </a:schemeClr>
-          </a:lnRef>
-          <a:fillRef idx="1">
-            <a:schemeClr val="accent1"/>
-          </a:fillRef>
-          <a:effectRef idx="0">
-            <a:schemeClr val="accent1"/>
-          </a:effectRef>
-          <a:fontRef idx="minor">
-            <a:schemeClr val="lt1"/>
-          </a:fontRef>
-        </p:style>
-        <p:txBody>
-          <a:bodyPr rtlCol="0" anchor="ctr"/>
-          <a:lstStyle/>
-          <a:p>
-            <a:pPr algn="ctr"/>
-            <a:endParaRPr lang="en-US"/>
-          </a:p>
-        </p:txBody>
-      </p:sp>
-      <p:sp>
-        <p:nvSpPr>
-          <p:cNvPr id="7" name="Arrow: Down 6">
-            <a:extLst>
-              <a:ext uri="{FF2B5EF4-FFF2-40B4-BE49-F238E27FC236}">
-                <a16:creationId xmlns:a16="http://schemas.microsoft.com/office/drawing/2014/main" id="{1EE0C38F-583F-DCFF-DB09-267159221C70}"/>
-              </a:ext>
-            </a:extLst>
-          </p:cNvPr>
-          <p:cNvSpPr/>
-          <p:nvPr/>
-        </p:nvSpPr>
-        <p:spPr>
-          <a:xfrm>
-            <a:off x="2430502" y="2192683"/>
-            <a:ext cx="447969" cy="880217"/>
-          </a:xfrm>
-          <a:prstGeom prst="downArrow">
-            <a:avLst/>
-          </a:prstGeom>
-        </p:spPr>
-        <p:style>
-          <a:lnRef idx="2">
-            <a:schemeClr val="accent2">
-              <a:shade val="15000"/>
-            </a:schemeClr>
-          </a:lnRef>
-          <a:fillRef idx="1">
-            <a:schemeClr val="accent2"/>
-          </a:fillRef>
-          <a:effectRef idx="0">
-            <a:schemeClr val="accent2"/>
-          </a:effectRef>
-          <a:fontRef idx="minor">
-            <a:schemeClr val="lt1"/>
-          </a:fontRef>
-        </p:style>
-        <p:txBody>
-          <a:bodyPr rtlCol="0" anchor="ctr"/>
-          <a:lstStyle/>
-          <a:p>
-            <a:pPr algn="ctr"/>
-            <a:r>
-              <a:rPr lang="en-US" dirty="0"/>
-              <a:t>Yes</a:t>
-            </a:r>
-          </a:p>
-        </p:txBody>
-      </p:sp>
-      <p:sp>
-        <p:nvSpPr>
-          <p:cNvPr id="9" name="Arrow: Right 8">
-            <a:extLst>
-              <a:ext uri="{FF2B5EF4-FFF2-40B4-BE49-F238E27FC236}">
-                <a16:creationId xmlns:a16="http://schemas.microsoft.com/office/drawing/2014/main" id="{0FB228E3-D67F-1BDC-3641-6E3E66C763E7}"/>
-              </a:ext>
-            </a:extLst>
-          </p:cNvPr>
-          <p:cNvSpPr/>
-          <p:nvPr/>
-        </p:nvSpPr>
-        <p:spPr>
-          <a:xfrm>
-            <a:off x="3221175" y="1176137"/>
-            <a:ext cx="920714" cy="422942"/>
-          </a:xfrm>
-          <a:prstGeom prst="rightArrow">
-            <a:avLst/>
-          </a:prstGeom>
-        </p:spPr>
-        <p:style>
-          <a:lnRef idx="2">
-            <a:schemeClr val="accent2">
-              <a:shade val="15000"/>
-            </a:schemeClr>
-          </a:lnRef>
-          <a:fillRef idx="1">
-            <a:schemeClr val="accent2"/>
-          </a:fillRef>
-          <a:effectRef idx="0">
-            <a:schemeClr val="accent2"/>
-          </a:effectRef>
-          <a:fontRef idx="minor">
-            <a:schemeClr val="lt1"/>
-          </a:fontRef>
-        </p:style>
-        <p:txBody>
-          <a:bodyPr lIns="91440" tIns="45720" rIns="91440" bIns="45720" rtlCol="0" anchor="ctr"/>
-          <a:lstStyle>
-            <a:defPPr>
-              <a:defRPr lang="en-US"/>
-            </a:defPPr>
-            <a:lvl1pPr marL="0" algn="l" defTabSz="914400" rtl="0" eaLnBrk="1" latinLnBrk="0" hangingPunct="1">
-              <a:defRPr sz="1800" kern="1200">
-                <a:solidFill>
-                  <a:schemeClr val="lt1"/>
-                </a:solidFill>
-                <a:latin typeface="+mn-lt"/>
-                <a:ea typeface="+mn-ea"/>
-                <a:cs typeface="+mn-cs"/>
-              </a:defRPr>
-            </a:lvl1pPr>
-            <a:lvl2pPr marL="457200" algn="l" defTabSz="914400" rtl="0" eaLnBrk="1" latinLnBrk="0" hangingPunct="1">
-              <a:defRPr sz="1800" kern="1200">
-                <a:solidFill>
-                  <a:schemeClr val="lt1"/>
-                </a:solidFill>
-                <a:latin typeface="+mn-lt"/>
-                <a:ea typeface="+mn-ea"/>
-                <a:cs typeface="+mn-cs"/>
-              </a:defRPr>
-            </a:lvl2pPr>
-            <a:lvl3pPr marL="914400" algn="l" defTabSz="914400" rtl="0" eaLnBrk="1" latinLnBrk="0" hangingPunct="1">
-              <a:defRPr sz="1800" kern="1200">
-                <a:solidFill>
-                  <a:schemeClr val="lt1"/>
-                </a:solidFill>
-                <a:latin typeface="+mn-lt"/>
-                <a:ea typeface="+mn-ea"/>
-                <a:cs typeface="+mn-cs"/>
-              </a:defRPr>
-            </a:lvl3pPr>
-            <a:lvl4pPr marL="1371600" algn="l" defTabSz="914400" rtl="0" eaLnBrk="1" latinLnBrk="0" hangingPunct="1">
-              <a:defRPr sz="1800" kern="1200">
-                <a:solidFill>
-                  <a:schemeClr val="lt1"/>
-                </a:solidFill>
-                <a:latin typeface="+mn-lt"/>
-                <a:ea typeface="+mn-ea"/>
-                <a:cs typeface="+mn-cs"/>
-              </a:defRPr>
-            </a:lvl4pPr>
-            <a:lvl5pPr marL="1828800" algn="l" defTabSz="914400" rtl="0" eaLnBrk="1" latinLnBrk="0" hangingPunct="1">
-              <a:defRPr sz="1800" kern="1200">
-                <a:solidFill>
-                  <a:schemeClr val="lt1"/>
-                </a:solidFill>
-                <a:latin typeface="+mn-lt"/>
-                <a:ea typeface="+mn-ea"/>
-                <a:cs typeface="+mn-cs"/>
-              </a:defRPr>
-            </a:lvl5pPr>
-            <a:lvl6pPr marL="2286000" algn="l" defTabSz="914400" rtl="0" eaLnBrk="1" latinLnBrk="0" hangingPunct="1">
-              <a:defRPr sz="1800" kern="1200">
-                <a:solidFill>
-                  <a:schemeClr val="lt1"/>
-                </a:solidFill>
-                <a:latin typeface="+mn-lt"/>
-                <a:ea typeface="+mn-ea"/>
-                <a:cs typeface="+mn-cs"/>
-              </a:defRPr>
-            </a:lvl6pPr>
-            <a:lvl7pPr marL="2743200" algn="l" defTabSz="914400" rtl="0" eaLnBrk="1" latinLnBrk="0" hangingPunct="1">
-              <a:defRPr sz="1800" kern="1200">
-                <a:solidFill>
-                  <a:schemeClr val="lt1"/>
-                </a:solidFill>
-                <a:latin typeface="+mn-lt"/>
-                <a:ea typeface="+mn-ea"/>
-                <a:cs typeface="+mn-cs"/>
-              </a:defRPr>
-            </a:lvl7pPr>
-            <a:lvl8pPr marL="3200400" algn="l" defTabSz="914400" rtl="0" eaLnBrk="1" latinLnBrk="0" hangingPunct="1">
-              <a:defRPr sz="1800" kern="1200">
-                <a:solidFill>
-                  <a:schemeClr val="lt1"/>
-                </a:solidFill>
-                <a:latin typeface="+mn-lt"/>
-                <a:ea typeface="+mn-ea"/>
-                <a:cs typeface="+mn-cs"/>
-              </a:defRPr>
-            </a:lvl8pPr>
-            <a:lvl9pPr marL="3657600" algn="l" defTabSz="914400" rtl="0" eaLnBrk="1" latinLnBrk="0" hangingPunct="1">
-              <a:defRPr sz="1800" kern="1200">
-                <a:solidFill>
-                  <a:schemeClr val="lt1"/>
-                </a:solidFill>
-                <a:latin typeface="+mn-lt"/>
-                <a:ea typeface="+mn-ea"/>
-                <a:cs typeface="+mn-cs"/>
-              </a:defRPr>
-            </a:lvl9pPr>
-          </a:lstStyle>
-          <a:p>
-            <a:pPr algn="ctr"/>
-            <a:r>
-              <a:rPr lang="en-US" dirty="0"/>
-              <a:t>No</a:t>
-            </a:r>
-          </a:p>
-        </p:txBody>
-      </p:sp>
-      <p:sp>
-        <p:nvSpPr>
-          <p:cNvPr id="10" name="Rectangle 9">
-            <a:extLst>
-              <a:ext uri="{FF2B5EF4-FFF2-40B4-BE49-F238E27FC236}">
-                <a16:creationId xmlns:a16="http://schemas.microsoft.com/office/drawing/2014/main" id="{16BE97A7-E339-4E5E-62D9-9C92D7FA448B}"/>
-              </a:ext>
-            </a:extLst>
-          </p:cNvPr>
-          <p:cNvSpPr/>
-          <p:nvPr/>
-        </p:nvSpPr>
-        <p:spPr>
-          <a:xfrm>
-            <a:off x="1531672" y="3074158"/>
-            <a:ext cx="3312228" cy="1834634"/>
-          </a:xfrm>
-          <a:prstGeom prst="rect">
-            <a:avLst/>
-          </a:prstGeom>
-        </p:spPr>
-        <p:style>
-          <a:lnRef idx="2">
-            <a:schemeClr val="accent1">
-              <a:shade val="15000"/>
-            </a:schemeClr>
-          </a:lnRef>
-          <a:fillRef idx="1">
-            <a:schemeClr val="accent1"/>
-          </a:fillRef>
-          <a:effectRef idx="0">
-            <a:schemeClr val="accent1"/>
-          </a:effectRef>
-          <a:fontRef idx="minor">
-            <a:schemeClr val="lt1"/>
-          </a:fontRef>
-        </p:style>
-        <p:txBody>
-          <a:bodyPr rot="0" spcFirstLastPara="0" vertOverflow="overflow" horzOverflow="overflow" vert="horz" wrap="square" lIns="91440" tIns="45720" rIns="91440" bIns="45720" numCol="1" spcCol="0" rtlCol="0" fromWordArt="0" anchor="t" anchorCtr="0" forceAA="0" compatLnSpc="1">
-            <a:prstTxWarp prst="textNoShape">
-              <a:avLst/>
-            </a:prstTxWarp>
-            <a:noAutofit/>
-          </a:bodyPr>
-          <a:lstStyle/>
-          <a:p>
-            <a:pPr marL="285750" indent="-285750">
-              <a:buFont typeface="Arial"/>
-              <a:buChar char="•"/>
-            </a:pPr>
-            <a:r>
-              <a:rPr lang="en-US" dirty="0"/>
-              <a:t>Face up this last current card.</a:t>
-            </a:r>
-          </a:p>
-          <a:p>
-            <a:pPr marL="285750" indent="-285750">
-              <a:buFont typeface="Arial"/>
-              <a:buChar char="•"/>
-            </a:pPr>
-            <a:r>
-              <a:rPr lang="en-US" dirty="0"/>
-              <a:t>Increase move count</a:t>
-            </a:r>
-          </a:p>
-          <a:p>
-            <a:pPr marL="285750" indent="-285750">
-              <a:buFont typeface="Arial"/>
-              <a:buChar char="•"/>
-            </a:pPr>
-            <a:r>
-              <a:rPr lang="en-US" dirty="0"/>
-              <a:t>Stop timer.</a:t>
-            </a:r>
-          </a:p>
-          <a:p>
-            <a:pPr marL="285750" indent="-285750">
-              <a:buFont typeface="Arial"/>
-              <a:buChar char="•"/>
-            </a:pPr>
-            <a:r>
-              <a:rPr lang="en-US" dirty="0"/>
-              <a:t>Change status to "ended"</a:t>
-            </a:r>
-          </a:p>
-        </p:txBody>
-      </p:sp>
-      <p:sp>
-        <p:nvSpPr>
-          <p:cNvPr id="11" name="Rectangle 10">
-            <a:extLst>
-              <a:ext uri="{FF2B5EF4-FFF2-40B4-BE49-F238E27FC236}">
-                <a16:creationId xmlns:a16="http://schemas.microsoft.com/office/drawing/2014/main" id="{788ED5AE-7BD3-6C42-687C-8116F23D0A1D}"/>
-              </a:ext>
-            </a:extLst>
-          </p:cNvPr>
-          <p:cNvSpPr/>
-          <p:nvPr/>
-        </p:nvSpPr>
-        <p:spPr>
-          <a:xfrm>
-            <a:off x="4138997" y="696350"/>
-            <a:ext cx="3312228" cy="1384779"/>
-          </a:xfrm>
-          <a:prstGeom prst="rect">
-            <a:avLst/>
-          </a:prstGeom>
-        </p:spPr>
-        <p:style>
-          <a:lnRef idx="2">
-            <a:schemeClr val="accent1">
-              <a:shade val="15000"/>
-            </a:schemeClr>
-          </a:lnRef>
-          <a:fillRef idx="1">
-            <a:schemeClr val="accent1"/>
-          </a:fillRef>
-          <a:effectRef idx="0">
-            <a:schemeClr val="accent1"/>
-          </a:effectRef>
-          <a:fontRef idx="minor">
-            <a:schemeClr val="lt1"/>
-          </a:fontRef>
-        </p:style>
-        <p:txBody>
-          <a:bodyPr rot="0" spcFirstLastPara="0" vertOverflow="overflow" horzOverflow="overflow" vert="horz" wrap="square" lIns="91440" tIns="45720" rIns="91440" bIns="45720" numCol="1" spcCol="0" rtlCol="0" fromWordArt="0" anchor="t" anchorCtr="0" forceAA="0" compatLnSpc="1">
-            <a:prstTxWarp prst="textNoShape">
-              <a:avLst/>
-            </a:prstTxWarp>
-            <a:noAutofit/>
-          </a:bodyPr>
-          <a:lstStyle/>
-          <a:p>
-            <a:pPr marL="285750" indent="-285750">
-              <a:buFont typeface="Arial"/>
-              <a:buChar char="•"/>
-            </a:pPr>
-            <a:r>
-              <a:rPr lang="en-US" dirty="0"/>
-              <a:t>Face up current card</a:t>
-            </a:r>
-          </a:p>
-          <a:p>
-            <a:pPr marL="285750" indent="-285750">
-              <a:buFont typeface="Arial"/>
-              <a:buChar char="•"/>
-            </a:pPr>
-            <a:r>
-              <a:rPr lang="en-US" dirty="0"/>
-              <a:t>Increase move count</a:t>
-            </a:r>
-          </a:p>
-          <a:p>
-            <a:pPr marL="285750" indent="-285750">
-              <a:buFont typeface="Arial"/>
-              <a:buChar char="•"/>
-            </a:pPr>
-            <a:r>
-              <a:rPr lang="en-US" dirty="0"/>
-              <a:t>Set previous card to null.</a:t>
-            </a:r>
-          </a:p>
-        </p:txBody>
-      </p:sp>
-      <p:sp>
-        <p:nvSpPr>
-          <p:cNvPr id="14" name="Arrow: Right 13">
-            <a:extLst>
-              <a:ext uri="{FF2B5EF4-FFF2-40B4-BE49-F238E27FC236}">
-                <a16:creationId xmlns:a16="http://schemas.microsoft.com/office/drawing/2014/main" id="{1C320C3D-C6A8-5329-8CD7-14C7CE98B8DC}"/>
-              </a:ext>
-            </a:extLst>
-          </p:cNvPr>
-          <p:cNvSpPr/>
-          <p:nvPr/>
-        </p:nvSpPr>
-        <p:spPr>
-          <a:xfrm>
-            <a:off x="4846162" y="3783462"/>
-            <a:ext cx="920714" cy="422942"/>
-          </a:xfrm>
-          <a:prstGeom prst="rightArrow">
-            <a:avLst/>
-          </a:prstGeom>
-        </p:spPr>
-        <p:style>
-          <a:lnRef idx="2">
-            <a:schemeClr val="accent2">
-              <a:shade val="15000"/>
-            </a:schemeClr>
-          </a:lnRef>
-          <a:fillRef idx="1">
-            <a:schemeClr val="accent2"/>
-          </a:fillRef>
-          <a:effectRef idx="0">
-            <a:schemeClr val="accent2"/>
-          </a:effectRef>
-          <a:fontRef idx="minor">
-            <a:schemeClr val="lt1"/>
-          </a:fontRef>
-        </p:style>
-        <p:txBody>
-          <a:bodyPr lIns="91440" tIns="45720" rIns="91440" bIns="45720" rtlCol="0" anchor="ctr"/>
-          <a:lstStyle>
-            <a:defPPr>
-              <a:defRPr lang="en-US"/>
-            </a:defPPr>
-            <a:lvl1pPr marL="0" algn="l" defTabSz="914400" rtl="0" eaLnBrk="1" latinLnBrk="0" hangingPunct="1">
-              <a:defRPr sz="1800" kern="1200">
-                <a:solidFill>
-                  <a:schemeClr val="lt1"/>
-                </a:solidFill>
-                <a:latin typeface="+mn-lt"/>
-                <a:ea typeface="+mn-ea"/>
-                <a:cs typeface="+mn-cs"/>
-              </a:defRPr>
-            </a:lvl1pPr>
-            <a:lvl2pPr marL="457200" algn="l" defTabSz="914400" rtl="0" eaLnBrk="1" latinLnBrk="0" hangingPunct="1">
-              <a:defRPr sz="1800" kern="1200">
-                <a:solidFill>
-                  <a:schemeClr val="lt1"/>
-                </a:solidFill>
-                <a:latin typeface="+mn-lt"/>
-                <a:ea typeface="+mn-ea"/>
-                <a:cs typeface="+mn-cs"/>
-              </a:defRPr>
-            </a:lvl2pPr>
-            <a:lvl3pPr marL="914400" algn="l" defTabSz="914400" rtl="0" eaLnBrk="1" latinLnBrk="0" hangingPunct="1">
-              <a:defRPr sz="1800" kern="1200">
-                <a:solidFill>
-                  <a:schemeClr val="lt1"/>
-                </a:solidFill>
-                <a:latin typeface="+mn-lt"/>
-                <a:ea typeface="+mn-ea"/>
-                <a:cs typeface="+mn-cs"/>
-              </a:defRPr>
-            </a:lvl3pPr>
-            <a:lvl4pPr marL="1371600" algn="l" defTabSz="914400" rtl="0" eaLnBrk="1" latinLnBrk="0" hangingPunct="1">
-              <a:defRPr sz="1800" kern="1200">
-                <a:solidFill>
-                  <a:schemeClr val="lt1"/>
-                </a:solidFill>
-                <a:latin typeface="+mn-lt"/>
-                <a:ea typeface="+mn-ea"/>
-                <a:cs typeface="+mn-cs"/>
-              </a:defRPr>
-            </a:lvl4pPr>
-            <a:lvl5pPr marL="1828800" algn="l" defTabSz="914400" rtl="0" eaLnBrk="1" latinLnBrk="0" hangingPunct="1">
-              <a:defRPr sz="1800" kern="1200">
-                <a:solidFill>
-                  <a:schemeClr val="lt1"/>
-                </a:solidFill>
-                <a:latin typeface="+mn-lt"/>
-                <a:ea typeface="+mn-ea"/>
-                <a:cs typeface="+mn-cs"/>
-              </a:defRPr>
-            </a:lvl5pPr>
-            <a:lvl6pPr marL="2286000" algn="l" defTabSz="914400" rtl="0" eaLnBrk="1" latinLnBrk="0" hangingPunct="1">
-              <a:defRPr sz="1800" kern="1200">
-                <a:solidFill>
-                  <a:schemeClr val="lt1"/>
-                </a:solidFill>
-                <a:latin typeface="+mn-lt"/>
-                <a:ea typeface="+mn-ea"/>
-                <a:cs typeface="+mn-cs"/>
-              </a:defRPr>
-            </a:lvl6pPr>
-            <a:lvl7pPr marL="2743200" algn="l" defTabSz="914400" rtl="0" eaLnBrk="1" latinLnBrk="0" hangingPunct="1">
-              <a:defRPr sz="1800" kern="1200">
-                <a:solidFill>
-                  <a:schemeClr val="lt1"/>
-                </a:solidFill>
-                <a:latin typeface="+mn-lt"/>
-                <a:ea typeface="+mn-ea"/>
-                <a:cs typeface="+mn-cs"/>
-              </a:defRPr>
-            </a:lvl7pPr>
-            <a:lvl8pPr marL="3200400" algn="l" defTabSz="914400" rtl="0" eaLnBrk="1" latinLnBrk="0" hangingPunct="1">
-              <a:defRPr sz="1800" kern="1200">
-                <a:solidFill>
-                  <a:schemeClr val="lt1"/>
-                </a:solidFill>
-                <a:latin typeface="+mn-lt"/>
-                <a:ea typeface="+mn-ea"/>
-                <a:cs typeface="+mn-cs"/>
-              </a:defRPr>
-            </a:lvl8pPr>
-            <a:lvl9pPr marL="3657600" algn="l" defTabSz="914400" rtl="0" eaLnBrk="1" latinLnBrk="0" hangingPunct="1">
-              <a:defRPr sz="1800" kern="1200">
-                <a:solidFill>
-                  <a:schemeClr val="lt1"/>
-                </a:solidFill>
-                <a:latin typeface="+mn-lt"/>
-                <a:ea typeface="+mn-ea"/>
-                <a:cs typeface="+mn-cs"/>
-              </a:defRPr>
-            </a:lvl9pPr>
-          </a:lstStyle>
-          <a:p>
-            <a:pPr algn="ctr"/>
-            <a:endParaRPr lang="en-US" dirty="0"/>
-          </a:p>
-        </p:txBody>
-      </p:sp>
-      <p:sp>
-        <p:nvSpPr>
-          <p:cNvPr id="15" name="Rectangle 14">
-            <a:extLst>
-              <a:ext uri="{FF2B5EF4-FFF2-40B4-BE49-F238E27FC236}">
-                <a16:creationId xmlns:a16="http://schemas.microsoft.com/office/drawing/2014/main" id="{AD1ADB47-A8A7-6170-031A-717ADB1AD0A9}"/>
-              </a:ext>
-            </a:extLst>
-          </p:cNvPr>
-          <p:cNvSpPr/>
-          <p:nvPr/>
-        </p:nvSpPr>
-        <p:spPr>
-          <a:xfrm>
-            <a:off x="5730657" y="3413342"/>
-            <a:ext cx="2411260" cy="1137780"/>
-          </a:xfrm>
-          <a:prstGeom prst="rect">
-            <a:avLst/>
-          </a:prstGeom>
-        </p:spPr>
-        <p:style>
-          <a:lnRef idx="2">
-            <a:schemeClr val="accent1">
-              <a:shade val="15000"/>
-            </a:schemeClr>
-          </a:lnRef>
-          <a:fillRef idx="1">
-            <a:schemeClr val="accent1"/>
-          </a:fillRef>
-          <a:effectRef idx="0">
-            <a:schemeClr val="accent1"/>
-          </a:effectRef>
-          <a:fontRef idx="minor">
-            <a:schemeClr val="lt1"/>
-          </a:fontRef>
-        </p:style>
-        <p:txBody>
-          <a:bodyPr rtlCol="0" anchor="ctr"/>
-          <a:lstStyle/>
-          <a:p>
-            <a:pPr algn="ctr"/>
-            <a:r>
-              <a:rPr lang="en-US" dirty="0"/>
-              <a:t>Show game end screen</a:t>
-            </a:r>
-          </a:p>
-        </p:txBody>
-      </p:sp>
-      <p:sp>
-        <p:nvSpPr>
-          <p:cNvPr id="18" name="Oval 17">
-            <a:extLst>
-              <a:ext uri="{FF2B5EF4-FFF2-40B4-BE49-F238E27FC236}">
-                <a16:creationId xmlns:a16="http://schemas.microsoft.com/office/drawing/2014/main" id="{CE466A0D-2EEB-2E05-3049-0C05FE91197A}"/>
-              </a:ext>
-            </a:extLst>
-          </p:cNvPr>
-          <p:cNvSpPr/>
-          <p:nvPr/>
-        </p:nvSpPr>
-        <p:spPr>
-          <a:xfrm>
-            <a:off x="9063888" y="3348070"/>
-            <a:ext cx="2171178" cy="1294356"/>
-          </a:xfrm>
-          <a:prstGeom prst="ellipse">
-            <a:avLst/>
-          </a:prstGeom>
-        </p:spPr>
-        <p:style>
-          <a:lnRef idx="2">
-            <a:schemeClr val="accent1">
-              <a:shade val="15000"/>
-            </a:schemeClr>
-          </a:lnRef>
-          <a:fillRef idx="1">
-            <a:schemeClr val="accent1"/>
-          </a:fillRef>
-          <a:effectRef idx="0">
-            <a:schemeClr val="accent1"/>
-          </a:effectRef>
-          <a:fontRef idx="minor">
-            <a:schemeClr val="lt1"/>
-          </a:fontRef>
-        </p:style>
-        <p:txBody>
-          <a:bodyPr lIns="91440" tIns="45720" rIns="91440" bIns="45720" rtlCol="0" anchor="ctr"/>
-          <a:lstStyle/>
-          <a:p>
-            <a:pPr algn="ctr"/>
-            <a:r>
-              <a:rPr lang="en-US" dirty="0">
-                <a:solidFill>
-                  <a:srgbClr val="FFFFFF"/>
-                </a:solidFill>
-                <a:latin typeface="Aptos"/>
-              </a:rPr>
-              <a:t>Game </a:t>
-            </a:r>
-            <a:r>
-              <a:rPr lang="en-US" dirty="0">
-                <a:latin typeface="Aptos"/>
-              </a:rPr>
-              <a:t>ended</a:t>
-            </a:r>
-            <a:endParaRPr lang="en-US" dirty="0"/>
-          </a:p>
-        </p:txBody>
-      </p:sp>
-      <p:sp>
-        <p:nvSpPr>
-          <p:cNvPr id="19" name="Arrow: Right 18">
-            <a:extLst>
-              <a:ext uri="{FF2B5EF4-FFF2-40B4-BE49-F238E27FC236}">
-                <a16:creationId xmlns:a16="http://schemas.microsoft.com/office/drawing/2014/main" id="{3331D1EA-6384-3B73-A1EB-97A297977C7F}"/>
-              </a:ext>
-            </a:extLst>
-          </p:cNvPr>
-          <p:cNvSpPr/>
-          <p:nvPr/>
-        </p:nvSpPr>
-        <p:spPr>
-          <a:xfrm>
-            <a:off x="8142041" y="3774281"/>
-            <a:ext cx="920714" cy="422942"/>
-          </a:xfrm>
-          <a:prstGeom prst="rightArrow">
-            <a:avLst/>
-          </a:prstGeom>
-        </p:spPr>
-        <p:style>
-          <a:lnRef idx="2">
-            <a:schemeClr val="accent2">
-              <a:shade val="15000"/>
-            </a:schemeClr>
-          </a:lnRef>
-          <a:fillRef idx="1">
-            <a:schemeClr val="accent2"/>
-          </a:fillRef>
-          <a:effectRef idx="0">
-            <a:schemeClr val="accent2"/>
-          </a:effectRef>
-          <a:fontRef idx="minor">
-            <a:schemeClr val="lt1"/>
-          </a:fontRef>
-        </p:style>
-        <p:txBody>
-          <a:bodyPr lIns="91440" tIns="45720" rIns="91440" bIns="45720" rtlCol="0" anchor="ctr"/>
-          <a:lstStyle>
-            <a:defPPr>
-              <a:defRPr lang="en-US"/>
-            </a:defPPr>
-            <a:lvl1pPr marL="0" algn="l" defTabSz="914400" rtl="0" eaLnBrk="1" latinLnBrk="0" hangingPunct="1">
-              <a:defRPr sz="1800" kern="1200">
-                <a:solidFill>
-                  <a:schemeClr val="lt1"/>
-                </a:solidFill>
-                <a:latin typeface="+mn-lt"/>
-                <a:ea typeface="+mn-ea"/>
-                <a:cs typeface="+mn-cs"/>
-              </a:defRPr>
-            </a:lvl1pPr>
-            <a:lvl2pPr marL="457200" algn="l" defTabSz="914400" rtl="0" eaLnBrk="1" latinLnBrk="0" hangingPunct="1">
-              <a:defRPr sz="1800" kern="1200">
-                <a:solidFill>
-                  <a:schemeClr val="lt1"/>
-                </a:solidFill>
-                <a:latin typeface="+mn-lt"/>
-                <a:ea typeface="+mn-ea"/>
-                <a:cs typeface="+mn-cs"/>
-              </a:defRPr>
-            </a:lvl2pPr>
-            <a:lvl3pPr marL="914400" algn="l" defTabSz="914400" rtl="0" eaLnBrk="1" latinLnBrk="0" hangingPunct="1">
-              <a:defRPr sz="1800" kern="1200">
-                <a:solidFill>
-                  <a:schemeClr val="lt1"/>
-                </a:solidFill>
-                <a:latin typeface="+mn-lt"/>
-                <a:ea typeface="+mn-ea"/>
-                <a:cs typeface="+mn-cs"/>
-              </a:defRPr>
-            </a:lvl3pPr>
-            <a:lvl4pPr marL="1371600" algn="l" defTabSz="914400" rtl="0" eaLnBrk="1" latinLnBrk="0" hangingPunct="1">
-              <a:defRPr sz="1800" kern="1200">
-                <a:solidFill>
-                  <a:schemeClr val="lt1"/>
-                </a:solidFill>
-                <a:latin typeface="+mn-lt"/>
-                <a:ea typeface="+mn-ea"/>
-                <a:cs typeface="+mn-cs"/>
-              </a:defRPr>
-            </a:lvl4pPr>
-            <a:lvl5pPr marL="1828800" algn="l" defTabSz="914400" rtl="0" eaLnBrk="1" latinLnBrk="0" hangingPunct="1">
-              <a:defRPr sz="1800" kern="1200">
-                <a:solidFill>
-                  <a:schemeClr val="lt1"/>
-                </a:solidFill>
-                <a:latin typeface="+mn-lt"/>
-                <a:ea typeface="+mn-ea"/>
-                <a:cs typeface="+mn-cs"/>
-              </a:defRPr>
-            </a:lvl5pPr>
-            <a:lvl6pPr marL="2286000" algn="l" defTabSz="914400" rtl="0" eaLnBrk="1" latinLnBrk="0" hangingPunct="1">
-              <a:defRPr sz="1800" kern="1200">
-                <a:solidFill>
-                  <a:schemeClr val="lt1"/>
-                </a:solidFill>
-                <a:latin typeface="+mn-lt"/>
-                <a:ea typeface="+mn-ea"/>
-                <a:cs typeface="+mn-cs"/>
-              </a:defRPr>
-            </a:lvl6pPr>
-            <a:lvl7pPr marL="2743200" algn="l" defTabSz="914400" rtl="0" eaLnBrk="1" latinLnBrk="0" hangingPunct="1">
-              <a:defRPr sz="1800" kern="1200">
-                <a:solidFill>
-                  <a:schemeClr val="lt1"/>
-                </a:solidFill>
-                <a:latin typeface="+mn-lt"/>
-                <a:ea typeface="+mn-ea"/>
-                <a:cs typeface="+mn-cs"/>
-              </a:defRPr>
-            </a:lvl7pPr>
-            <a:lvl8pPr marL="3200400" algn="l" defTabSz="914400" rtl="0" eaLnBrk="1" latinLnBrk="0" hangingPunct="1">
-              <a:defRPr sz="1800" kern="1200">
-                <a:solidFill>
-                  <a:schemeClr val="lt1"/>
-                </a:solidFill>
-                <a:latin typeface="+mn-lt"/>
-                <a:ea typeface="+mn-ea"/>
-                <a:cs typeface="+mn-cs"/>
-              </a:defRPr>
-            </a:lvl8pPr>
-            <a:lvl9pPr marL="3657600" algn="l" defTabSz="914400" rtl="0" eaLnBrk="1" latinLnBrk="0" hangingPunct="1">
-              <a:defRPr sz="1800" kern="1200">
-                <a:solidFill>
-                  <a:schemeClr val="lt1"/>
-                </a:solidFill>
-                <a:latin typeface="+mn-lt"/>
-                <a:ea typeface="+mn-ea"/>
-                <a:cs typeface="+mn-cs"/>
-              </a:defRPr>
-            </a:lvl9pPr>
-          </a:lstStyle>
-          <a:p>
-            <a:pPr algn="ctr"/>
-            <a:endParaRPr lang="en-US" dirty="0"/>
-          </a:p>
-        </p:txBody>
-      </p:sp>
-    </p:spTree>
-    <p:extLst>
-      <p:ext uri="{BB962C8B-B14F-4D97-AF65-F5344CB8AC3E}">
-        <p14:creationId xmlns:p14="http://schemas.microsoft.com/office/powerpoint/2010/main" val="3317844869"/>
-      </p:ext>
-    </p:extLst>
-  </p:cSld>
-  <p:clrMapOvr>
-    <a:masterClrMapping/>
-  </p:clrMapOvr>
-</p:sld>
-</file>
-
-<file path=ppt/slides/slide13.xml><?xml version="1.0" encoding="utf-8"?>
-<p:sld xmlns:a="http://schemas.openxmlformats.org/drawingml/2006/main" xmlns:r="http://schemas.openxmlformats.org/officeDocument/2006/relationships" xmlns:p="http://schemas.openxmlformats.org/presentationml/2006/main">
-  <p:cSld>
-    <p:spTree>
-      <p:nvGrpSpPr>
-        <p:cNvPr id="1" name=""/>
-        <p:cNvGrpSpPr/>
-        <p:nvPr/>
-      </p:nvGrpSpPr>
-      <p:grpSpPr>
-        <a:xfrm>
-          <a:off x="0" y="0"/>
-          <a:ext cx="0" cy="0"/>
-          <a:chOff x="0" y="0"/>
-          <a:chExt cx="0" cy="0"/>
-        </a:xfrm>
-      </p:grpSpPr>
-      <p:sp>
-        <p:nvSpPr>
-          <p:cNvPr id="2" name="Title 1">
-            <a:extLst>
-              <a:ext uri="{FF2B5EF4-FFF2-40B4-BE49-F238E27FC236}">
-                <a16:creationId xmlns:a16="http://schemas.microsoft.com/office/drawing/2014/main" id="{CF3537DB-26D3-92B7-B5C0-672CCA89D337}"/>
-              </a:ext>
-            </a:extLst>
-          </p:cNvPr>
-          <p:cNvSpPr>
-            <a:spLocks noGrp="1"/>
-          </p:cNvSpPr>
-          <p:nvPr>
-            <p:ph type="title"/>
-          </p:nvPr>
-        </p:nvSpPr>
-        <p:spPr>
-          <a:xfrm>
-            <a:off x="838200" y="365125"/>
-            <a:ext cx="10515600" cy="6246430"/>
-          </a:xfrm>
-        </p:spPr>
-        <p:txBody>
-          <a:bodyPr/>
-          <a:lstStyle/>
-          <a:p>
-            <a:pPr algn="ctr"/>
-            <a:r>
-              <a:rPr lang="en-US" b="1" dirty="0"/>
-              <a:t>THE END</a:t>
-            </a:r>
-            <a:endParaRPr lang="en-US"/>
-          </a:p>
-        </p:txBody>
-      </p:sp>
-    </p:spTree>
-    <p:extLst>
-      <p:ext uri="{BB962C8B-B14F-4D97-AF65-F5344CB8AC3E}">
-        <p14:creationId xmlns:p14="http://schemas.microsoft.com/office/powerpoint/2010/main" val="3889576309"/>
       </p:ext>
     </p:extLst>
   </p:cSld>
@@ -5801,6 +6321,893 @@
     <p:extLst>
       <p:ext uri="{BB962C8B-B14F-4D97-AF65-F5344CB8AC3E}">
         <p14:creationId xmlns:p14="http://schemas.microsoft.com/office/powerpoint/2010/main" val="944508358"/>
+      </p:ext>
+    </p:extLst>
+  </p:cSld>
+  <p:clrMapOvr>
+    <a:masterClrMapping/>
+  </p:clrMapOvr>
+</p:sld>
+</file>
+
+<file path=ppt/slides/slide20.xml><?xml version="1.0" encoding="utf-8"?>
+<p:sld xmlns:a="http://schemas.openxmlformats.org/drawingml/2006/main" xmlns:r="http://schemas.openxmlformats.org/officeDocument/2006/relationships" xmlns:p="http://schemas.openxmlformats.org/presentationml/2006/main">
+  <p:cSld>
+    <p:spTree>
+      <p:nvGrpSpPr>
+        <p:cNvPr id="1" name=""/>
+        <p:cNvGrpSpPr/>
+        <p:nvPr/>
+      </p:nvGrpSpPr>
+      <p:grpSpPr>
+        <a:xfrm>
+          <a:off x="0" y="0"/>
+          <a:ext cx="0" cy="0"/>
+          <a:chOff x="0" y="0"/>
+          <a:chExt cx="0" cy="0"/>
+        </a:xfrm>
+      </p:grpSpPr>
+      <p:sp>
+        <p:nvSpPr>
+          <p:cNvPr id="5" name="Flowchart: Off-page Connector 4">
+            <a:extLst>
+              <a:ext uri="{FF2B5EF4-FFF2-40B4-BE49-F238E27FC236}">
+                <a16:creationId xmlns:a16="http://schemas.microsoft.com/office/drawing/2014/main" id="{B1ABB45E-B707-8AF4-5402-72ABDDBA419C}"/>
+              </a:ext>
+            </a:extLst>
+          </p:cNvPr>
+          <p:cNvSpPr/>
+          <p:nvPr/>
+        </p:nvSpPr>
+        <p:spPr>
+          <a:xfrm>
+            <a:off x="2082137" y="810291"/>
+            <a:ext cx="1137780" cy="1388301"/>
+          </a:xfrm>
+          <a:prstGeom prst="flowChartOffpageConnector">
+            <a:avLst/>
+          </a:prstGeom>
+        </p:spPr>
+        <p:style>
+          <a:lnRef idx="2">
+            <a:schemeClr val="accent1">
+              <a:shade val="15000"/>
+            </a:schemeClr>
+          </a:lnRef>
+          <a:fillRef idx="1">
+            <a:schemeClr val="accent1"/>
+          </a:fillRef>
+          <a:effectRef idx="0">
+            <a:schemeClr val="accent1"/>
+          </a:effectRef>
+          <a:fontRef idx="minor">
+            <a:schemeClr val="lt1"/>
+          </a:fontRef>
+        </p:style>
+        <p:txBody>
+          <a:bodyPr rtlCol="0" anchor="ctr"/>
+          <a:lstStyle/>
+          <a:p>
+            <a:pPr algn="ctr"/>
+            <a:endParaRPr lang="en-US"/>
+          </a:p>
+        </p:txBody>
+      </p:sp>
+      <p:sp>
+        <p:nvSpPr>
+          <p:cNvPr id="7" name="Arrow: Down 6">
+            <a:extLst>
+              <a:ext uri="{FF2B5EF4-FFF2-40B4-BE49-F238E27FC236}">
+                <a16:creationId xmlns:a16="http://schemas.microsoft.com/office/drawing/2014/main" id="{1EE0C38F-583F-DCFF-DB09-267159221C70}"/>
+              </a:ext>
+            </a:extLst>
+          </p:cNvPr>
+          <p:cNvSpPr/>
+          <p:nvPr/>
+        </p:nvSpPr>
+        <p:spPr>
+          <a:xfrm>
+            <a:off x="2430502" y="2192683"/>
+            <a:ext cx="447969" cy="880217"/>
+          </a:xfrm>
+          <a:prstGeom prst="downArrow">
+            <a:avLst/>
+          </a:prstGeom>
+        </p:spPr>
+        <p:style>
+          <a:lnRef idx="2">
+            <a:schemeClr val="accent2">
+              <a:shade val="15000"/>
+            </a:schemeClr>
+          </a:lnRef>
+          <a:fillRef idx="1">
+            <a:schemeClr val="accent2"/>
+          </a:fillRef>
+          <a:effectRef idx="0">
+            <a:schemeClr val="accent2"/>
+          </a:effectRef>
+          <a:fontRef idx="minor">
+            <a:schemeClr val="lt1"/>
+          </a:fontRef>
+        </p:style>
+        <p:txBody>
+          <a:bodyPr rtlCol="0" anchor="ctr"/>
+          <a:lstStyle/>
+          <a:p>
+            <a:pPr algn="ctr"/>
+            <a:r>
+              <a:rPr lang="en-US" dirty="0"/>
+              <a:t>Yes</a:t>
+            </a:r>
+          </a:p>
+        </p:txBody>
+      </p:sp>
+      <p:sp>
+        <p:nvSpPr>
+          <p:cNvPr id="9" name="Arrow: Right 8">
+            <a:extLst>
+              <a:ext uri="{FF2B5EF4-FFF2-40B4-BE49-F238E27FC236}">
+                <a16:creationId xmlns:a16="http://schemas.microsoft.com/office/drawing/2014/main" id="{0FB228E3-D67F-1BDC-3641-6E3E66C763E7}"/>
+              </a:ext>
+            </a:extLst>
+          </p:cNvPr>
+          <p:cNvSpPr/>
+          <p:nvPr/>
+        </p:nvSpPr>
+        <p:spPr>
+          <a:xfrm>
+            <a:off x="3221175" y="1176137"/>
+            <a:ext cx="920714" cy="422942"/>
+          </a:xfrm>
+          <a:prstGeom prst="rightArrow">
+            <a:avLst/>
+          </a:prstGeom>
+        </p:spPr>
+        <p:style>
+          <a:lnRef idx="2">
+            <a:schemeClr val="accent2">
+              <a:shade val="15000"/>
+            </a:schemeClr>
+          </a:lnRef>
+          <a:fillRef idx="1">
+            <a:schemeClr val="accent2"/>
+          </a:fillRef>
+          <a:effectRef idx="0">
+            <a:schemeClr val="accent2"/>
+          </a:effectRef>
+          <a:fontRef idx="minor">
+            <a:schemeClr val="lt1"/>
+          </a:fontRef>
+        </p:style>
+        <p:txBody>
+          <a:bodyPr lIns="91440" tIns="45720" rIns="91440" bIns="45720" rtlCol="0" anchor="ctr"/>
+          <a:lstStyle>
+            <a:defPPr>
+              <a:defRPr lang="en-US"/>
+            </a:defPPr>
+            <a:lvl1pPr marL="0" algn="l" defTabSz="914400" rtl="0" eaLnBrk="1" latinLnBrk="0" hangingPunct="1">
+              <a:defRPr sz="1800" kern="1200">
+                <a:solidFill>
+                  <a:schemeClr val="lt1"/>
+                </a:solidFill>
+                <a:latin typeface="+mn-lt"/>
+                <a:ea typeface="+mn-ea"/>
+                <a:cs typeface="+mn-cs"/>
+              </a:defRPr>
+            </a:lvl1pPr>
+            <a:lvl2pPr marL="457200" algn="l" defTabSz="914400" rtl="0" eaLnBrk="1" latinLnBrk="0" hangingPunct="1">
+              <a:defRPr sz="1800" kern="1200">
+                <a:solidFill>
+                  <a:schemeClr val="lt1"/>
+                </a:solidFill>
+                <a:latin typeface="+mn-lt"/>
+                <a:ea typeface="+mn-ea"/>
+                <a:cs typeface="+mn-cs"/>
+              </a:defRPr>
+            </a:lvl2pPr>
+            <a:lvl3pPr marL="914400" algn="l" defTabSz="914400" rtl="0" eaLnBrk="1" latinLnBrk="0" hangingPunct="1">
+              <a:defRPr sz="1800" kern="1200">
+                <a:solidFill>
+                  <a:schemeClr val="lt1"/>
+                </a:solidFill>
+                <a:latin typeface="+mn-lt"/>
+                <a:ea typeface="+mn-ea"/>
+                <a:cs typeface="+mn-cs"/>
+              </a:defRPr>
+            </a:lvl3pPr>
+            <a:lvl4pPr marL="1371600" algn="l" defTabSz="914400" rtl="0" eaLnBrk="1" latinLnBrk="0" hangingPunct="1">
+              <a:defRPr sz="1800" kern="1200">
+                <a:solidFill>
+                  <a:schemeClr val="lt1"/>
+                </a:solidFill>
+                <a:latin typeface="+mn-lt"/>
+                <a:ea typeface="+mn-ea"/>
+                <a:cs typeface="+mn-cs"/>
+              </a:defRPr>
+            </a:lvl4pPr>
+            <a:lvl5pPr marL="1828800" algn="l" defTabSz="914400" rtl="0" eaLnBrk="1" latinLnBrk="0" hangingPunct="1">
+              <a:defRPr sz="1800" kern="1200">
+                <a:solidFill>
+                  <a:schemeClr val="lt1"/>
+                </a:solidFill>
+                <a:latin typeface="+mn-lt"/>
+                <a:ea typeface="+mn-ea"/>
+                <a:cs typeface="+mn-cs"/>
+              </a:defRPr>
+            </a:lvl5pPr>
+            <a:lvl6pPr marL="2286000" algn="l" defTabSz="914400" rtl="0" eaLnBrk="1" latinLnBrk="0" hangingPunct="1">
+              <a:defRPr sz="1800" kern="1200">
+                <a:solidFill>
+                  <a:schemeClr val="lt1"/>
+                </a:solidFill>
+                <a:latin typeface="+mn-lt"/>
+                <a:ea typeface="+mn-ea"/>
+                <a:cs typeface="+mn-cs"/>
+              </a:defRPr>
+            </a:lvl6pPr>
+            <a:lvl7pPr marL="2743200" algn="l" defTabSz="914400" rtl="0" eaLnBrk="1" latinLnBrk="0" hangingPunct="1">
+              <a:defRPr sz="1800" kern="1200">
+                <a:solidFill>
+                  <a:schemeClr val="lt1"/>
+                </a:solidFill>
+                <a:latin typeface="+mn-lt"/>
+                <a:ea typeface="+mn-ea"/>
+                <a:cs typeface="+mn-cs"/>
+              </a:defRPr>
+            </a:lvl7pPr>
+            <a:lvl8pPr marL="3200400" algn="l" defTabSz="914400" rtl="0" eaLnBrk="1" latinLnBrk="0" hangingPunct="1">
+              <a:defRPr sz="1800" kern="1200">
+                <a:solidFill>
+                  <a:schemeClr val="lt1"/>
+                </a:solidFill>
+                <a:latin typeface="+mn-lt"/>
+                <a:ea typeface="+mn-ea"/>
+                <a:cs typeface="+mn-cs"/>
+              </a:defRPr>
+            </a:lvl8pPr>
+            <a:lvl9pPr marL="3657600" algn="l" defTabSz="914400" rtl="0" eaLnBrk="1" latinLnBrk="0" hangingPunct="1">
+              <a:defRPr sz="1800" kern="1200">
+                <a:solidFill>
+                  <a:schemeClr val="lt1"/>
+                </a:solidFill>
+                <a:latin typeface="+mn-lt"/>
+                <a:ea typeface="+mn-ea"/>
+                <a:cs typeface="+mn-cs"/>
+              </a:defRPr>
+            </a:lvl9pPr>
+          </a:lstStyle>
+          <a:p>
+            <a:pPr algn="ctr"/>
+            <a:r>
+              <a:rPr lang="en-US" dirty="0"/>
+              <a:t>No</a:t>
+            </a:r>
+          </a:p>
+        </p:txBody>
+      </p:sp>
+      <p:sp>
+        <p:nvSpPr>
+          <p:cNvPr id="10" name="Rectangle 9">
+            <a:extLst>
+              <a:ext uri="{FF2B5EF4-FFF2-40B4-BE49-F238E27FC236}">
+                <a16:creationId xmlns:a16="http://schemas.microsoft.com/office/drawing/2014/main" id="{16BE97A7-E339-4E5E-62D9-9C92D7FA448B}"/>
+              </a:ext>
+            </a:extLst>
+          </p:cNvPr>
+          <p:cNvSpPr/>
+          <p:nvPr/>
+        </p:nvSpPr>
+        <p:spPr>
+          <a:xfrm>
+            <a:off x="1531672" y="3074158"/>
+            <a:ext cx="3312228" cy="1834634"/>
+          </a:xfrm>
+          <a:prstGeom prst="rect">
+            <a:avLst/>
+          </a:prstGeom>
+        </p:spPr>
+        <p:style>
+          <a:lnRef idx="2">
+            <a:schemeClr val="accent1">
+              <a:shade val="15000"/>
+            </a:schemeClr>
+          </a:lnRef>
+          <a:fillRef idx="1">
+            <a:schemeClr val="accent1"/>
+          </a:fillRef>
+          <a:effectRef idx="0">
+            <a:schemeClr val="accent1"/>
+          </a:effectRef>
+          <a:fontRef idx="minor">
+            <a:schemeClr val="lt1"/>
+          </a:fontRef>
+        </p:style>
+        <p:txBody>
+          <a:bodyPr rot="0" spcFirstLastPara="0" vertOverflow="overflow" horzOverflow="overflow" vert="horz" wrap="square" lIns="91440" tIns="45720" rIns="91440" bIns="45720" numCol="1" spcCol="0" rtlCol="0" fromWordArt="0" anchor="t" anchorCtr="0" forceAA="0" compatLnSpc="1">
+            <a:prstTxWarp prst="textNoShape">
+              <a:avLst/>
+            </a:prstTxWarp>
+            <a:noAutofit/>
+          </a:bodyPr>
+          <a:lstStyle/>
+          <a:p>
+            <a:pPr marL="285750" indent="-285750">
+              <a:buFont typeface="Arial"/>
+              <a:buChar char="•"/>
+            </a:pPr>
+            <a:r>
+              <a:rPr lang="en-US" dirty="0"/>
+              <a:t>Face up this last current card.</a:t>
+            </a:r>
+          </a:p>
+          <a:p>
+            <a:pPr marL="285750" indent="-285750">
+              <a:buFont typeface="Arial"/>
+              <a:buChar char="•"/>
+            </a:pPr>
+            <a:r>
+              <a:rPr lang="en-US" dirty="0"/>
+              <a:t>Increase move count</a:t>
+            </a:r>
+          </a:p>
+          <a:p>
+            <a:pPr marL="285750" indent="-285750">
+              <a:buFont typeface="Arial"/>
+              <a:buChar char="•"/>
+            </a:pPr>
+            <a:r>
+              <a:rPr lang="en-US" dirty="0"/>
+              <a:t>Stop timer.</a:t>
+            </a:r>
+          </a:p>
+          <a:p>
+            <a:pPr marL="285750" indent="-285750">
+              <a:buFont typeface="Arial"/>
+              <a:buChar char="•"/>
+            </a:pPr>
+            <a:r>
+              <a:rPr lang="en-US" dirty="0"/>
+              <a:t>Change status to "ended"</a:t>
+            </a:r>
+          </a:p>
+        </p:txBody>
+      </p:sp>
+      <p:sp>
+        <p:nvSpPr>
+          <p:cNvPr id="11" name="Rectangle 10">
+            <a:extLst>
+              <a:ext uri="{FF2B5EF4-FFF2-40B4-BE49-F238E27FC236}">
+                <a16:creationId xmlns:a16="http://schemas.microsoft.com/office/drawing/2014/main" id="{788ED5AE-7BD3-6C42-687C-8116F23D0A1D}"/>
+              </a:ext>
+            </a:extLst>
+          </p:cNvPr>
+          <p:cNvSpPr/>
+          <p:nvPr/>
+        </p:nvSpPr>
+        <p:spPr>
+          <a:xfrm>
+            <a:off x="4138997" y="696350"/>
+            <a:ext cx="3312228" cy="1384779"/>
+          </a:xfrm>
+          <a:prstGeom prst="rect">
+            <a:avLst/>
+          </a:prstGeom>
+        </p:spPr>
+        <p:style>
+          <a:lnRef idx="2">
+            <a:schemeClr val="accent1">
+              <a:shade val="15000"/>
+            </a:schemeClr>
+          </a:lnRef>
+          <a:fillRef idx="1">
+            <a:schemeClr val="accent1"/>
+          </a:fillRef>
+          <a:effectRef idx="0">
+            <a:schemeClr val="accent1"/>
+          </a:effectRef>
+          <a:fontRef idx="minor">
+            <a:schemeClr val="lt1"/>
+          </a:fontRef>
+        </p:style>
+        <p:txBody>
+          <a:bodyPr rot="0" spcFirstLastPara="0" vertOverflow="overflow" horzOverflow="overflow" vert="horz" wrap="square" lIns="91440" tIns="45720" rIns="91440" bIns="45720" numCol="1" spcCol="0" rtlCol="0" fromWordArt="0" anchor="t" anchorCtr="0" forceAA="0" compatLnSpc="1">
+            <a:prstTxWarp prst="textNoShape">
+              <a:avLst/>
+            </a:prstTxWarp>
+            <a:noAutofit/>
+          </a:bodyPr>
+          <a:lstStyle/>
+          <a:p>
+            <a:pPr marL="285750" indent="-285750">
+              <a:buFont typeface="Arial"/>
+              <a:buChar char="•"/>
+            </a:pPr>
+            <a:r>
+              <a:rPr lang="en-US" dirty="0"/>
+              <a:t>Face up current card</a:t>
+            </a:r>
+          </a:p>
+          <a:p>
+            <a:pPr marL="285750" indent="-285750">
+              <a:buFont typeface="Arial"/>
+              <a:buChar char="•"/>
+            </a:pPr>
+            <a:r>
+              <a:rPr lang="en-US" dirty="0"/>
+              <a:t>Increase move count</a:t>
+            </a:r>
+          </a:p>
+          <a:p>
+            <a:pPr marL="285750" indent="-285750">
+              <a:buFont typeface="Arial"/>
+              <a:buChar char="•"/>
+            </a:pPr>
+            <a:r>
+              <a:rPr lang="en-US" dirty="0"/>
+              <a:t>Set previous card to null.</a:t>
+            </a:r>
+          </a:p>
+        </p:txBody>
+      </p:sp>
+      <p:sp>
+        <p:nvSpPr>
+          <p:cNvPr id="14" name="Arrow: Right 13">
+            <a:extLst>
+              <a:ext uri="{FF2B5EF4-FFF2-40B4-BE49-F238E27FC236}">
+                <a16:creationId xmlns:a16="http://schemas.microsoft.com/office/drawing/2014/main" id="{1C320C3D-C6A8-5329-8CD7-14C7CE98B8DC}"/>
+              </a:ext>
+            </a:extLst>
+          </p:cNvPr>
+          <p:cNvSpPr/>
+          <p:nvPr/>
+        </p:nvSpPr>
+        <p:spPr>
+          <a:xfrm>
+            <a:off x="4846162" y="3783462"/>
+            <a:ext cx="920714" cy="422942"/>
+          </a:xfrm>
+          <a:prstGeom prst="rightArrow">
+            <a:avLst/>
+          </a:prstGeom>
+        </p:spPr>
+        <p:style>
+          <a:lnRef idx="2">
+            <a:schemeClr val="accent2">
+              <a:shade val="15000"/>
+            </a:schemeClr>
+          </a:lnRef>
+          <a:fillRef idx="1">
+            <a:schemeClr val="accent2"/>
+          </a:fillRef>
+          <a:effectRef idx="0">
+            <a:schemeClr val="accent2"/>
+          </a:effectRef>
+          <a:fontRef idx="minor">
+            <a:schemeClr val="lt1"/>
+          </a:fontRef>
+        </p:style>
+        <p:txBody>
+          <a:bodyPr lIns="91440" tIns="45720" rIns="91440" bIns="45720" rtlCol="0" anchor="ctr"/>
+          <a:lstStyle>
+            <a:defPPr>
+              <a:defRPr lang="en-US"/>
+            </a:defPPr>
+            <a:lvl1pPr marL="0" algn="l" defTabSz="914400" rtl="0" eaLnBrk="1" latinLnBrk="0" hangingPunct="1">
+              <a:defRPr sz="1800" kern="1200">
+                <a:solidFill>
+                  <a:schemeClr val="lt1"/>
+                </a:solidFill>
+                <a:latin typeface="+mn-lt"/>
+                <a:ea typeface="+mn-ea"/>
+                <a:cs typeface="+mn-cs"/>
+              </a:defRPr>
+            </a:lvl1pPr>
+            <a:lvl2pPr marL="457200" algn="l" defTabSz="914400" rtl="0" eaLnBrk="1" latinLnBrk="0" hangingPunct="1">
+              <a:defRPr sz="1800" kern="1200">
+                <a:solidFill>
+                  <a:schemeClr val="lt1"/>
+                </a:solidFill>
+                <a:latin typeface="+mn-lt"/>
+                <a:ea typeface="+mn-ea"/>
+                <a:cs typeface="+mn-cs"/>
+              </a:defRPr>
+            </a:lvl2pPr>
+            <a:lvl3pPr marL="914400" algn="l" defTabSz="914400" rtl="0" eaLnBrk="1" latinLnBrk="0" hangingPunct="1">
+              <a:defRPr sz="1800" kern="1200">
+                <a:solidFill>
+                  <a:schemeClr val="lt1"/>
+                </a:solidFill>
+                <a:latin typeface="+mn-lt"/>
+                <a:ea typeface="+mn-ea"/>
+                <a:cs typeface="+mn-cs"/>
+              </a:defRPr>
+            </a:lvl3pPr>
+            <a:lvl4pPr marL="1371600" algn="l" defTabSz="914400" rtl="0" eaLnBrk="1" latinLnBrk="0" hangingPunct="1">
+              <a:defRPr sz="1800" kern="1200">
+                <a:solidFill>
+                  <a:schemeClr val="lt1"/>
+                </a:solidFill>
+                <a:latin typeface="+mn-lt"/>
+                <a:ea typeface="+mn-ea"/>
+                <a:cs typeface="+mn-cs"/>
+              </a:defRPr>
+            </a:lvl4pPr>
+            <a:lvl5pPr marL="1828800" algn="l" defTabSz="914400" rtl="0" eaLnBrk="1" latinLnBrk="0" hangingPunct="1">
+              <a:defRPr sz="1800" kern="1200">
+                <a:solidFill>
+                  <a:schemeClr val="lt1"/>
+                </a:solidFill>
+                <a:latin typeface="+mn-lt"/>
+                <a:ea typeface="+mn-ea"/>
+                <a:cs typeface="+mn-cs"/>
+              </a:defRPr>
+            </a:lvl5pPr>
+            <a:lvl6pPr marL="2286000" algn="l" defTabSz="914400" rtl="0" eaLnBrk="1" latinLnBrk="0" hangingPunct="1">
+              <a:defRPr sz="1800" kern="1200">
+                <a:solidFill>
+                  <a:schemeClr val="lt1"/>
+                </a:solidFill>
+                <a:latin typeface="+mn-lt"/>
+                <a:ea typeface="+mn-ea"/>
+                <a:cs typeface="+mn-cs"/>
+              </a:defRPr>
+            </a:lvl6pPr>
+            <a:lvl7pPr marL="2743200" algn="l" defTabSz="914400" rtl="0" eaLnBrk="1" latinLnBrk="0" hangingPunct="1">
+              <a:defRPr sz="1800" kern="1200">
+                <a:solidFill>
+                  <a:schemeClr val="lt1"/>
+                </a:solidFill>
+                <a:latin typeface="+mn-lt"/>
+                <a:ea typeface="+mn-ea"/>
+                <a:cs typeface="+mn-cs"/>
+              </a:defRPr>
+            </a:lvl7pPr>
+            <a:lvl8pPr marL="3200400" algn="l" defTabSz="914400" rtl="0" eaLnBrk="1" latinLnBrk="0" hangingPunct="1">
+              <a:defRPr sz="1800" kern="1200">
+                <a:solidFill>
+                  <a:schemeClr val="lt1"/>
+                </a:solidFill>
+                <a:latin typeface="+mn-lt"/>
+                <a:ea typeface="+mn-ea"/>
+                <a:cs typeface="+mn-cs"/>
+              </a:defRPr>
+            </a:lvl8pPr>
+            <a:lvl9pPr marL="3657600" algn="l" defTabSz="914400" rtl="0" eaLnBrk="1" latinLnBrk="0" hangingPunct="1">
+              <a:defRPr sz="1800" kern="1200">
+                <a:solidFill>
+                  <a:schemeClr val="lt1"/>
+                </a:solidFill>
+                <a:latin typeface="+mn-lt"/>
+                <a:ea typeface="+mn-ea"/>
+                <a:cs typeface="+mn-cs"/>
+              </a:defRPr>
+            </a:lvl9pPr>
+          </a:lstStyle>
+          <a:p>
+            <a:pPr algn="ctr"/>
+            <a:endParaRPr lang="en-US" dirty="0"/>
+          </a:p>
+        </p:txBody>
+      </p:sp>
+      <p:sp>
+        <p:nvSpPr>
+          <p:cNvPr id="15" name="Rectangle 14">
+            <a:extLst>
+              <a:ext uri="{FF2B5EF4-FFF2-40B4-BE49-F238E27FC236}">
+                <a16:creationId xmlns:a16="http://schemas.microsoft.com/office/drawing/2014/main" id="{AD1ADB47-A8A7-6170-031A-717ADB1AD0A9}"/>
+              </a:ext>
+            </a:extLst>
+          </p:cNvPr>
+          <p:cNvSpPr/>
+          <p:nvPr/>
+        </p:nvSpPr>
+        <p:spPr>
+          <a:xfrm>
+            <a:off x="5730657" y="3413342"/>
+            <a:ext cx="2411260" cy="1137780"/>
+          </a:xfrm>
+          <a:prstGeom prst="rect">
+            <a:avLst/>
+          </a:prstGeom>
+        </p:spPr>
+        <p:style>
+          <a:lnRef idx="2">
+            <a:schemeClr val="accent1">
+              <a:shade val="15000"/>
+            </a:schemeClr>
+          </a:lnRef>
+          <a:fillRef idx="1">
+            <a:schemeClr val="accent1"/>
+          </a:fillRef>
+          <a:effectRef idx="0">
+            <a:schemeClr val="accent1"/>
+          </a:effectRef>
+          <a:fontRef idx="minor">
+            <a:schemeClr val="lt1"/>
+          </a:fontRef>
+        </p:style>
+        <p:txBody>
+          <a:bodyPr rtlCol="0" anchor="ctr"/>
+          <a:lstStyle/>
+          <a:p>
+            <a:pPr algn="ctr"/>
+            <a:r>
+              <a:rPr lang="en-US" dirty="0"/>
+              <a:t>Show game end screen</a:t>
+            </a:r>
+          </a:p>
+        </p:txBody>
+      </p:sp>
+      <p:sp>
+        <p:nvSpPr>
+          <p:cNvPr id="18" name="Oval 17">
+            <a:extLst>
+              <a:ext uri="{FF2B5EF4-FFF2-40B4-BE49-F238E27FC236}">
+                <a16:creationId xmlns:a16="http://schemas.microsoft.com/office/drawing/2014/main" id="{CE466A0D-2EEB-2E05-3049-0C05FE91197A}"/>
+              </a:ext>
+            </a:extLst>
+          </p:cNvPr>
+          <p:cNvSpPr/>
+          <p:nvPr/>
+        </p:nvSpPr>
+        <p:spPr>
+          <a:xfrm>
+            <a:off x="9063888" y="3348070"/>
+            <a:ext cx="2171178" cy="1294356"/>
+          </a:xfrm>
+          <a:prstGeom prst="ellipse">
+            <a:avLst/>
+          </a:prstGeom>
+        </p:spPr>
+        <p:style>
+          <a:lnRef idx="2">
+            <a:schemeClr val="accent1">
+              <a:shade val="15000"/>
+            </a:schemeClr>
+          </a:lnRef>
+          <a:fillRef idx="1">
+            <a:schemeClr val="accent1"/>
+          </a:fillRef>
+          <a:effectRef idx="0">
+            <a:schemeClr val="accent1"/>
+          </a:effectRef>
+          <a:fontRef idx="minor">
+            <a:schemeClr val="lt1"/>
+          </a:fontRef>
+        </p:style>
+        <p:txBody>
+          <a:bodyPr lIns="91440" tIns="45720" rIns="91440" bIns="45720" rtlCol="0" anchor="ctr"/>
+          <a:lstStyle/>
+          <a:p>
+            <a:pPr algn="ctr"/>
+            <a:r>
+              <a:rPr lang="en-US" dirty="0">
+                <a:solidFill>
+                  <a:srgbClr val="FFFFFF"/>
+                </a:solidFill>
+                <a:latin typeface="Aptos"/>
+              </a:rPr>
+              <a:t>Game </a:t>
+            </a:r>
+            <a:r>
+              <a:rPr lang="en-US" dirty="0">
+                <a:latin typeface="Aptos"/>
+              </a:rPr>
+              <a:t>ended</a:t>
+            </a:r>
+            <a:endParaRPr lang="en-US" dirty="0"/>
+          </a:p>
+        </p:txBody>
+      </p:sp>
+      <p:sp>
+        <p:nvSpPr>
+          <p:cNvPr id="19" name="Arrow: Right 18">
+            <a:extLst>
+              <a:ext uri="{FF2B5EF4-FFF2-40B4-BE49-F238E27FC236}">
+                <a16:creationId xmlns:a16="http://schemas.microsoft.com/office/drawing/2014/main" id="{3331D1EA-6384-3B73-A1EB-97A297977C7F}"/>
+              </a:ext>
+            </a:extLst>
+          </p:cNvPr>
+          <p:cNvSpPr/>
+          <p:nvPr/>
+        </p:nvSpPr>
+        <p:spPr>
+          <a:xfrm>
+            <a:off x="8142041" y="3774281"/>
+            <a:ext cx="920714" cy="422942"/>
+          </a:xfrm>
+          <a:prstGeom prst="rightArrow">
+            <a:avLst/>
+          </a:prstGeom>
+        </p:spPr>
+        <p:style>
+          <a:lnRef idx="2">
+            <a:schemeClr val="accent2">
+              <a:shade val="15000"/>
+            </a:schemeClr>
+          </a:lnRef>
+          <a:fillRef idx="1">
+            <a:schemeClr val="accent2"/>
+          </a:fillRef>
+          <a:effectRef idx="0">
+            <a:schemeClr val="accent2"/>
+          </a:effectRef>
+          <a:fontRef idx="minor">
+            <a:schemeClr val="lt1"/>
+          </a:fontRef>
+        </p:style>
+        <p:txBody>
+          <a:bodyPr lIns="91440" tIns="45720" rIns="91440" bIns="45720" rtlCol="0" anchor="ctr"/>
+          <a:lstStyle>
+            <a:defPPr>
+              <a:defRPr lang="en-US"/>
+            </a:defPPr>
+            <a:lvl1pPr marL="0" algn="l" defTabSz="914400" rtl="0" eaLnBrk="1" latinLnBrk="0" hangingPunct="1">
+              <a:defRPr sz="1800" kern="1200">
+                <a:solidFill>
+                  <a:schemeClr val="lt1"/>
+                </a:solidFill>
+                <a:latin typeface="+mn-lt"/>
+                <a:ea typeface="+mn-ea"/>
+                <a:cs typeface="+mn-cs"/>
+              </a:defRPr>
+            </a:lvl1pPr>
+            <a:lvl2pPr marL="457200" algn="l" defTabSz="914400" rtl="0" eaLnBrk="1" latinLnBrk="0" hangingPunct="1">
+              <a:defRPr sz="1800" kern="1200">
+                <a:solidFill>
+                  <a:schemeClr val="lt1"/>
+                </a:solidFill>
+                <a:latin typeface="+mn-lt"/>
+                <a:ea typeface="+mn-ea"/>
+                <a:cs typeface="+mn-cs"/>
+              </a:defRPr>
+            </a:lvl2pPr>
+            <a:lvl3pPr marL="914400" algn="l" defTabSz="914400" rtl="0" eaLnBrk="1" latinLnBrk="0" hangingPunct="1">
+              <a:defRPr sz="1800" kern="1200">
+                <a:solidFill>
+                  <a:schemeClr val="lt1"/>
+                </a:solidFill>
+                <a:latin typeface="+mn-lt"/>
+                <a:ea typeface="+mn-ea"/>
+                <a:cs typeface="+mn-cs"/>
+              </a:defRPr>
+            </a:lvl3pPr>
+            <a:lvl4pPr marL="1371600" algn="l" defTabSz="914400" rtl="0" eaLnBrk="1" latinLnBrk="0" hangingPunct="1">
+              <a:defRPr sz="1800" kern="1200">
+                <a:solidFill>
+                  <a:schemeClr val="lt1"/>
+                </a:solidFill>
+                <a:latin typeface="+mn-lt"/>
+                <a:ea typeface="+mn-ea"/>
+                <a:cs typeface="+mn-cs"/>
+              </a:defRPr>
+            </a:lvl4pPr>
+            <a:lvl5pPr marL="1828800" algn="l" defTabSz="914400" rtl="0" eaLnBrk="1" latinLnBrk="0" hangingPunct="1">
+              <a:defRPr sz="1800" kern="1200">
+                <a:solidFill>
+                  <a:schemeClr val="lt1"/>
+                </a:solidFill>
+                <a:latin typeface="+mn-lt"/>
+                <a:ea typeface="+mn-ea"/>
+                <a:cs typeface="+mn-cs"/>
+              </a:defRPr>
+            </a:lvl5pPr>
+            <a:lvl6pPr marL="2286000" algn="l" defTabSz="914400" rtl="0" eaLnBrk="1" latinLnBrk="0" hangingPunct="1">
+              <a:defRPr sz="1800" kern="1200">
+                <a:solidFill>
+                  <a:schemeClr val="lt1"/>
+                </a:solidFill>
+                <a:latin typeface="+mn-lt"/>
+                <a:ea typeface="+mn-ea"/>
+                <a:cs typeface="+mn-cs"/>
+              </a:defRPr>
+            </a:lvl6pPr>
+            <a:lvl7pPr marL="2743200" algn="l" defTabSz="914400" rtl="0" eaLnBrk="1" latinLnBrk="0" hangingPunct="1">
+              <a:defRPr sz="1800" kern="1200">
+                <a:solidFill>
+                  <a:schemeClr val="lt1"/>
+                </a:solidFill>
+                <a:latin typeface="+mn-lt"/>
+                <a:ea typeface="+mn-ea"/>
+                <a:cs typeface="+mn-cs"/>
+              </a:defRPr>
+            </a:lvl7pPr>
+            <a:lvl8pPr marL="3200400" algn="l" defTabSz="914400" rtl="0" eaLnBrk="1" latinLnBrk="0" hangingPunct="1">
+              <a:defRPr sz="1800" kern="1200">
+                <a:solidFill>
+                  <a:schemeClr val="lt1"/>
+                </a:solidFill>
+                <a:latin typeface="+mn-lt"/>
+                <a:ea typeface="+mn-ea"/>
+                <a:cs typeface="+mn-cs"/>
+              </a:defRPr>
+            </a:lvl8pPr>
+            <a:lvl9pPr marL="3657600" algn="l" defTabSz="914400" rtl="0" eaLnBrk="1" latinLnBrk="0" hangingPunct="1">
+              <a:defRPr sz="1800" kern="1200">
+                <a:solidFill>
+                  <a:schemeClr val="lt1"/>
+                </a:solidFill>
+                <a:latin typeface="+mn-lt"/>
+                <a:ea typeface="+mn-ea"/>
+                <a:cs typeface="+mn-cs"/>
+              </a:defRPr>
+            </a:lvl9pPr>
+          </a:lstStyle>
+          <a:p>
+            <a:pPr algn="ctr"/>
+            <a:endParaRPr lang="en-US" dirty="0"/>
+          </a:p>
+        </p:txBody>
+      </p:sp>
+    </p:spTree>
+    <p:extLst>
+      <p:ext uri="{BB962C8B-B14F-4D97-AF65-F5344CB8AC3E}">
+        <p14:creationId xmlns:p14="http://schemas.microsoft.com/office/powerpoint/2010/main" val="3317844869"/>
+      </p:ext>
+    </p:extLst>
+  </p:cSld>
+  <p:clrMapOvr>
+    <a:masterClrMapping/>
+  </p:clrMapOvr>
+</p:sld>
+</file>
+
+<file path=ppt/slides/slide21.xml><?xml version="1.0" encoding="utf-8"?>
+<p:sld xmlns:a="http://schemas.openxmlformats.org/drawingml/2006/main" xmlns:r="http://schemas.openxmlformats.org/officeDocument/2006/relationships" xmlns:p="http://schemas.openxmlformats.org/presentationml/2006/main">
+  <p:cSld>
+    <p:spTree>
+      <p:nvGrpSpPr>
+        <p:cNvPr id="1" name=""/>
+        <p:cNvGrpSpPr/>
+        <p:nvPr/>
+      </p:nvGrpSpPr>
+      <p:grpSpPr>
+        <a:xfrm>
+          <a:off x="0" y="0"/>
+          <a:ext cx="0" cy="0"/>
+          <a:chOff x="0" y="0"/>
+          <a:chExt cx="0" cy="0"/>
+        </a:xfrm>
+      </p:grpSpPr>
+      <p:sp>
+        <p:nvSpPr>
+          <p:cNvPr id="2" name="Title 1">
+            <a:extLst>
+              <a:ext uri="{FF2B5EF4-FFF2-40B4-BE49-F238E27FC236}">
+                <a16:creationId xmlns:a16="http://schemas.microsoft.com/office/drawing/2014/main" id="{CF3537DB-26D3-92B7-B5C0-672CCA89D337}"/>
+              </a:ext>
+            </a:extLst>
+          </p:cNvPr>
+          <p:cNvSpPr>
+            <a:spLocks noGrp="1"/>
+          </p:cNvSpPr>
+          <p:nvPr>
+            <p:ph type="title"/>
+          </p:nvPr>
+        </p:nvSpPr>
+        <p:spPr>
+          <a:xfrm>
+            <a:off x="838200" y="365125"/>
+            <a:ext cx="10515600" cy="6246430"/>
+          </a:xfrm>
+        </p:spPr>
+        <p:txBody>
+          <a:bodyPr/>
+          <a:lstStyle/>
+          <a:p>
+            <a:pPr algn="ctr"/>
+            <a:r>
+              <a:rPr lang="en-US" b="1" dirty="0"/>
+              <a:t>THE END</a:t>
+            </a:r>
+            <a:endParaRPr lang="en-US"/>
+          </a:p>
+        </p:txBody>
+      </p:sp>
+    </p:spTree>
+    <p:extLst>
+      <p:ext uri="{BB962C8B-B14F-4D97-AF65-F5344CB8AC3E}">
+        <p14:creationId xmlns:p14="http://schemas.microsoft.com/office/powerpoint/2010/main" val="3889576309"/>
       </p:ext>
     </p:extLst>
   </p:cSld>
@@ -6472,7 +7879,7 @@
           <p:cNvPr id="2" name="Title 1">
             <a:extLst>
               <a:ext uri="{FF2B5EF4-FFF2-40B4-BE49-F238E27FC236}">
-                <a16:creationId xmlns:a16="http://schemas.microsoft.com/office/drawing/2014/main" id="{249867D4-4D6A-971E-48DC-8F5DA71409F4}"/>
+                <a16:creationId xmlns:a16="http://schemas.microsoft.com/office/drawing/2014/main" id="{F787BD1B-1968-1EC5-D5A1-0E6B0703A5AD}"/>
               </a:ext>
             </a:extLst>
           </p:cNvPr>
@@ -6483,28 +7890,53 @@
             <p:ph type="title"/>
           </p:nvPr>
         </p:nvSpPr>
+        <p:spPr/>
+        <p:txBody>
+          <a:bodyPr/>
+          <a:lstStyle/>
+          <a:p>
+            <a:pPr algn="ctr"/>
+            <a:r>
+              <a:rPr lang="en-US" b="1" dirty="0"/>
+              <a:t>Start game</a:t>
+            </a:r>
+          </a:p>
+        </p:txBody>
+      </p:sp>
+      <p:pic>
+        <p:nvPicPr>
+          <p:cNvPr id="3" name="Picture 2" descr="A screenshot of a game&#10;&#10;AI-generated content may be incorrect.">
+            <a:extLst>
+              <a:ext uri="{FF2B5EF4-FFF2-40B4-BE49-F238E27FC236}">
+                <a16:creationId xmlns:a16="http://schemas.microsoft.com/office/drawing/2014/main" id="{24A5C010-AFCA-3A60-BF5C-738FBAA0C93B}"/>
+              </a:ext>
+            </a:extLst>
+          </p:cNvPr>
+          <p:cNvPicPr>
+            <a:picLocks noChangeAspect="1"/>
+          </p:cNvPicPr>
+          <p:nvPr/>
+        </p:nvPicPr>
+        <p:blipFill>
+          <a:blip r:embed="rId2"/>
+          <a:stretch>
+            <a:fillRect/>
+          </a:stretch>
+        </p:blipFill>
         <p:spPr>
           <a:xfrm>
-            <a:off x="838200" y="365125"/>
-            <a:ext cx="10515600" cy="6127081"/>
+            <a:off x="3642853" y="1714500"/>
+            <a:ext cx="4768582" cy="4200180"/>
           </a:xfrm>
+          <a:prstGeom prst="rect">
+            <a:avLst/>
+          </a:prstGeom>
         </p:spPr>
-        <p:txBody>
-          <a:bodyPr/>
-          <a:lstStyle/>
-          <a:p>
-            <a:pPr algn="ctr"/>
-            <a:r>
-              <a:rPr lang="en-US" b="1" dirty="0"/>
-              <a:t>How app works</a:t>
-            </a:r>
-          </a:p>
-        </p:txBody>
-      </p:sp>
+      </p:pic>
     </p:spTree>
     <p:extLst>
       <p:ext uri="{BB962C8B-B14F-4D97-AF65-F5344CB8AC3E}">
-        <p14:creationId xmlns:p14="http://schemas.microsoft.com/office/powerpoint/2010/main" val="465405067"/>
+        <p14:creationId xmlns:p14="http://schemas.microsoft.com/office/powerpoint/2010/main" val="2027315765"/>
       </p:ext>
     </p:extLst>
   </p:cSld>
@@ -6536,7 +7968,7 @@
           <p:cNvPr id="2" name="Title 1">
             <a:extLst>
               <a:ext uri="{FF2B5EF4-FFF2-40B4-BE49-F238E27FC236}">
-                <a16:creationId xmlns:a16="http://schemas.microsoft.com/office/drawing/2014/main" id="{1E86CDAF-0EC9-0999-85A6-9A974AC01CB9}"/>
+                <a16:creationId xmlns:a16="http://schemas.microsoft.com/office/drawing/2014/main" id="{E3F2D1C6-2F2B-FF38-7951-6167C2184D84}"/>
               </a:ext>
             </a:extLst>
           </p:cNvPr>
@@ -6555,82 +7987,46 @@
             <a:pPr algn="ctr"/>
             <a:r>
               <a:rPr lang="en-US" b="1" dirty="0"/>
-              <a:t>How are cards placed randomly on every new game</a:t>
+              <a:t>Cards are laid out (shuffled every game)</a:t>
             </a:r>
             <a:endParaRPr lang="en-US"/>
           </a:p>
         </p:txBody>
       </p:sp>
-      <p:sp>
-        <p:nvSpPr>
-          <p:cNvPr id="3" name="Content Placeholder 2">
+      <p:pic>
+        <p:nvPicPr>
+          <p:cNvPr id="4" name="Picture 3" descr="A screenshot of a game&#10;&#10;AI-generated content may be incorrect.">
             <a:extLst>
               <a:ext uri="{FF2B5EF4-FFF2-40B4-BE49-F238E27FC236}">
-                <a16:creationId xmlns:a16="http://schemas.microsoft.com/office/drawing/2014/main" id="{D9AC40BB-8365-E069-AC1C-5F21BFFAC699}"/>
+                <a16:creationId xmlns:a16="http://schemas.microsoft.com/office/drawing/2014/main" id="{2C1EE82F-48AE-EDC6-3228-DB602C16020B}"/>
               </a:ext>
             </a:extLst>
           </p:cNvPr>
-          <p:cNvSpPr>
-            <a:spLocks noGrp="1"/>
-          </p:cNvSpPr>
-          <p:nvPr>
-            <p:ph idx="1"/>
-          </p:nvPr>
-        </p:nvSpPr>
-        <p:spPr/>
-        <p:txBody>
-          <a:bodyPr vert="horz" lIns="91440" tIns="45720" rIns="91440" bIns="45720" rtlCol="0" anchor="t">
-            <a:normAutofit/>
-          </a:bodyPr>
-          <a:lstStyle/>
-          <a:p>
-            <a:r>
-              <a:rPr lang="en-US" dirty="0"/>
-              <a:t>There's an unshuffled array that contains pair of numbers from 1 to 8 e.g. [1,1,2,2...8,8], so that there are 16 cards and 8 pairs.</a:t>
-            </a:r>
-          </a:p>
-          <a:p>
-            <a:r>
-              <a:rPr lang="en-US" dirty="0"/>
-              <a:t>On every new game, an array is made containing the above numbers randomly placed.</a:t>
-            </a:r>
-          </a:p>
-          <a:p>
-            <a:r>
-              <a:rPr lang="en-US" dirty="0"/>
-              <a:t>We map this array to create cards in our state.</a:t>
-            </a:r>
-          </a:p>
-          <a:p>
-            <a:r>
-              <a:rPr lang="en-US" dirty="0"/>
-              <a:t>For every number – 1 we have an image e.g. 0: Apple, 1: Banana etc.</a:t>
-            </a:r>
-          </a:p>
-          <a:p>
-            <a:r>
-              <a:rPr lang="en-US" dirty="0"/>
-              <a:t>Logic to shuffle array is in </a:t>
-            </a:r>
-            <a:r>
-              <a:rPr lang="en-US" b="1" i="1" dirty="0"/>
-              <a:t>/</a:t>
-            </a:r>
-            <a:r>
-              <a:rPr lang="en-US" b="1" i="1" dirty="0" err="1"/>
-              <a:t>src</a:t>
-            </a:r>
-            <a:r>
-              <a:rPr lang="en-US" b="1" i="1" dirty="0"/>
-              <a:t>/utils/helpers.js</a:t>
-            </a:r>
-          </a:p>
-        </p:txBody>
-      </p:sp>
+          <p:cNvPicPr>
+            <a:picLocks noChangeAspect="1"/>
+          </p:cNvPicPr>
+          <p:nvPr/>
+        </p:nvPicPr>
+        <p:blipFill>
+          <a:blip r:embed="rId2"/>
+          <a:stretch>
+            <a:fillRect/>
+          </a:stretch>
+        </p:blipFill>
+        <p:spPr>
+          <a:xfrm>
+            <a:off x="1809674" y="1689253"/>
+            <a:ext cx="7966724" cy="4810699"/>
+          </a:xfrm>
+          <a:prstGeom prst="rect">
+            <a:avLst/>
+          </a:prstGeom>
+        </p:spPr>
+      </p:pic>
     </p:spTree>
     <p:extLst>
       <p:ext uri="{BB962C8B-B14F-4D97-AF65-F5344CB8AC3E}">
-        <p14:creationId xmlns:p14="http://schemas.microsoft.com/office/powerpoint/2010/main" val="2226011498"/>
+        <p14:creationId xmlns:p14="http://schemas.microsoft.com/office/powerpoint/2010/main" val="393966655"/>
       </p:ext>
     </p:extLst>
   </p:cSld>
@@ -6645,7 +8041,13 @@
   <p:cSld>
     <p:spTree>
       <p:nvGrpSpPr>
-        <p:cNvPr id="1" name=""/>
+        <p:cNvPr id="1" name="">
+          <a:extLst>
+            <a:ext uri="{FF2B5EF4-FFF2-40B4-BE49-F238E27FC236}">
+              <a16:creationId xmlns:a16="http://schemas.microsoft.com/office/drawing/2014/main" id="{86DE5764-1980-1B19-C898-62CBA6E0BB7F}"/>
+            </a:ext>
+          </a:extLst>
+        </p:cNvPr>
         <p:cNvGrpSpPr/>
         <p:nvPr/>
       </p:nvGrpSpPr>
@@ -6662,7 +8064,7 @@
           <p:cNvPr id="2" name="Title 1">
             <a:extLst>
               <a:ext uri="{FF2B5EF4-FFF2-40B4-BE49-F238E27FC236}">
-                <a16:creationId xmlns:a16="http://schemas.microsoft.com/office/drawing/2014/main" id="{F0AB2E5D-DD10-04B3-462C-E1EF30ED62C2}"/>
+                <a16:creationId xmlns:a16="http://schemas.microsoft.com/office/drawing/2014/main" id="{98BEDA41-D1F7-95AF-B531-F03A3A76C275}"/>
               </a:ext>
             </a:extLst>
           </p:cNvPr>
@@ -6681,96 +8083,45 @@
             <a:pPr algn="ctr"/>
             <a:r>
               <a:rPr lang="en-US" b="1" dirty="0"/>
-              <a:t>How Timer works</a:t>
-            </a:r>
-            <a:endParaRPr lang="en-US" dirty="0"/>
-          </a:p>
-        </p:txBody>
-      </p:sp>
-      <p:sp>
-        <p:nvSpPr>
-          <p:cNvPr id="3" name="Content Placeholder 2">
+              <a:t>First card clicked, timer starts</a:t>
+            </a:r>
+          </a:p>
+        </p:txBody>
+      </p:sp>
+      <p:pic>
+        <p:nvPicPr>
+          <p:cNvPr id="3" name="Picture 2" descr="A screenshot of a game&#10;&#10;AI-generated content may be incorrect.">
             <a:extLst>
               <a:ext uri="{FF2B5EF4-FFF2-40B4-BE49-F238E27FC236}">
-                <a16:creationId xmlns:a16="http://schemas.microsoft.com/office/drawing/2014/main" id="{D91FC97B-8CB2-3CA2-C297-B18598EE55C0}"/>
+                <a16:creationId xmlns:a16="http://schemas.microsoft.com/office/drawing/2014/main" id="{1DE6633B-BB32-F4F4-5BE3-F4585023689F}"/>
               </a:ext>
             </a:extLst>
           </p:cNvPr>
-          <p:cNvSpPr>
-            <a:spLocks noGrp="1"/>
-          </p:cNvSpPr>
-          <p:nvPr>
-            <p:ph idx="1"/>
-          </p:nvPr>
-        </p:nvSpPr>
-        <p:spPr/>
-        <p:txBody>
-          <a:bodyPr vert="horz" lIns="91440" tIns="45720" rIns="91440" bIns="45720" rtlCol="0" anchor="t">
-            <a:normAutofit/>
-          </a:bodyPr>
-          <a:lstStyle/>
-          <a:p>
-            <a:r>
-              <a:rPr lang="en-US" dirty="0"/>
-              <a:t>When a card is clicked and it is the very first card clicked, create a </a:t>
-            </a:r>
-            <a:r>
-              <a:rPr lang="en-US" dirty="0" err="1"/>
-              <a:t>setInterval</a:t>
-            </a:r>
-            <a:r>
-              <a:rPr lang="en-US" dirty="0"/>
-              <a:t> which will dispatch "</a:t>
-            </a:r>
-            <a:r>
-              <a:rPr lang="en-US" dirty="0" err="1"/>
-              <a:t>increaseTimer</a:t>
-            </a:r>
-            <a:r>
-              <a:rPr lang="en-US" dirty="0"/>
-              <a:t>" action every second.</a:t>
-            </a:r>
-          </a:p>
-          <a:p>
-            <a:r>
-              <a:rPr lang="en-US" dirty="0"/>
-              <a:t>Store this interval reference in state (dispatch "</a:t>
-            </a:r>
-            <a:r>
-              <a:rPr lang="en-US" err="1"/>
-              <a:t>timerStarted</a:t>
-            </a:r>
-            <a:r>
-              <a:rPr lang="en-US" dirty="0"/>
-              <a:t>" action with this reference as payload).</a:t>
-            </a:r>
-          </a:p>
-          <a:p>
-            <a:r>
-              <a:rPr lang="en-US" dirty="0"/>
-              <a:t>On game end, clear this interval using reference, so the time will stop.</a:t>
-            </a:r>
-          </a:p>
-          <a:p>
-            <a:r>
-              <a:rPr lang="en-US" dirty="0"/>
-              <a:t>On new game, clear this interval and set time to 0 (</a:t>
-            </a:r>
-            <a:r>
-              <a:rPr lang="en-US" dirty="0" err="1"/>
-              <a:t>initState</a:t>
-            </a:r>
-            <a:r>
-              <a:rPr lang="en-US" dirty="0"/>
-              <a:t>).</a:t>
-            </a:r>
-          </a:p>
-        </p:txBody>
-      </p:sp>
+          <p:cNvPicPr>
+            <a:picLocks noChangeAspect="1"/>
+          </p:cNvPicPr>
+          <p:nvPr/>
+        </p:nvPicPr>
+        <p:blipFill>
+          <a:blip r:embed="rId2"/>
+          <a:stretch>
+            <a:fillRect/>
+          </a:stretch>
+        </p:blipFill>
+        <p:spPr>
+          <a:xfrm>
+            <a:off x="3738483" y="1413710"/>
+            <a:ext cx="3932981" cy="5293895"/>
+          </a:xfrm>
+          <a:prstGeom prst="rect">
+            <a:avLst/>
+          </a:prstGeom>
+        </p:spPr>
+      </p:pic>
     </p:spTree>
     <p:extLst>
       <p:ext uri="{BB962C8B-B14F-4D97-AF65-F5344CB8AC3E}">
-        <p14:creationId xmlns:p14="http://schemas.microsoft.com/office/powerpoint/2010/main" val="2275024223"/>
+        <p14:creationId xmlns:p14="http://schemas.microsoft.com/office/powerpoint/2010/main" val="578896861"/>
       </p:ext>
     </p:extLst>
   </p:cSld>
@@ -6785,7 +8136,13 @@
   <p:cSld>
     <p:spTree>
       <p:nvGrpSpPr>
-        <p:cNvPr id="1" name=""/>
+        <p:cNvPr id="1" name="">
+          <a:extLst>
+            <a:ext uri="{FF2B5EF4-FFF2-40B4-BE49-F238E27FC236}">
+              <a16:creationId xmlns:a16="http://schemas.microsoft.com/office/drawing/2014/main" id="{00709B47-D602-7D23-957E-9FED39C4FDB8}"/>
+            </a:ext>
+          </a:extLst>
+        </p:cNvPr>
         <p:cNvGrpSpPr/>
         <p:nvPr/>
       </p:nvGrpSpPr>
@@ -6802,7 +8159,7 @@
           <p:cNvPr id="2" name="Title 1">
             <a:extLst>
               <a:ext uri="{FF2B5EF4-FFF2-40B4-BE49-F238E27FC236}">
-                <a16:creationId xmlns:a16="http://schemas.microsoft.com/office/drawing/2014/main" id="{F52370DF-2562-C4C1-77F5-579489E79E92}"/>
+                <a16:creationId xmlns:a16="http://schemas.microsoft.com/office/drawing/2014/main" id="{50B7EF92-9C65-4417-31E1-0B9A44528CCD}"/>
               </a:ext>
             </a:extLst>
           </p:cNvPr>
@@ -6813,7 +8170,12 @@
             <p:ph type="title"/>
           </p:nvPr>
         </p:nvSpPr>
-        <p:spPr/>
+        <p:spPr>
+          <a:xfrm>
+            <a:off x="838200" y="104441"/>
+            <a:ext cx="10515600" cy="1325563"/>
+          </a:xfrm>
+        </p:spPr>
         <p:txBody>
           <a:bodyPr/>
           <a:lstStyle/>
@@ -6821,620 +8183,46 @@
             <a:pPr algn="ctr"/>
             <a:r>
               <a:rPr lang="en-US" b="1" dirty="0"/>
-              <a:t>New game started</a:t>
-            </a:r>
-            <a:endParaRPr lang="en-US"/>
-          </a:p>
-        </p:txBody>
-      </p:sp>
-      <p:sp>
-        <p:nvSpPr>
-          <p:cNvPr id="13" name="Arrow: Right 12">
+              <a:t>Cards did not match</a:t>
+            </a:r>
+            <a:endParaRPr lang="en-US" dirty="0"/>
+          </a:p>
+        </p:txBody>
+      </p:sp>
+      <p:pic>
+        <p:nvPicPr>
+          <p:cNvPr id="3" name="Picture 2" descr="A screenshot of a game&#10;&#10;AI-generated content may be incorrect.">
             <a:extLst>
               <a:ext uri="{FF2B5EF4-FFF2-40B4-BE49-F238E27FC236}">
-                <a16:creationId xmlns:a16="http://schemas.microsoft.com/office/drawing/2014/main" id="{2C080EC2-BD29-83DB-C8FB-D9A4C44CF009}"/>
+                <a16:creationId xmlns:a16="http://schemas.microsoft.com/office/drawing/2014/main" id="{E02D2245-C389-6A26-9EE1-2E73F1B0299B}"/>
               </a:ext>
             </a:extLst>
           </p:cNvPr>
-          <p:cNvSpPr/>
+          <p:cNvPicPr>
+            <a:picLocks noChangeAspect="1"/>
+          </p:cNvPicPr>
           <p:nvPr/>
-        </p:nvSpPr>
+        </p:nvPicPr>
+        <p:blipFill>
+          <a:blip r:embed="rId2"/>
+          <a:stretch>
+            <a:fillRect/>
+          </a:stretch>
+        </p:blipFill>
         <p:spPr>
           <a:xfrm>
-            <a:off x="3019199" y="2929656"/>
-            <a:ext cx="1012520" cy="386219"/>
-          </a:xfrm>
-          <a:prstGeom prst="rightArrow">
-            <a:avLst/>
-          </a:prstGeom>
-        </p:spPr>
-        <p:style>
-          <a:lnRef idx="2">
-            <a:schemeClr val="accent2">
-              <a:shade val="15000"/>
-            </a:schemeClr>
-          </a:lnRef>
-          <a:fillRef idx="1">
-            <a:schemeClr val="accent2"/>
-          </a:fillRef>
-          <a:effectRef idx="0">
-            <a:schemeClr val="accent2"/>
-          </a:effectRef>
-          <a:fontRef idx="minor">
-            <a:schemeClr val="lt1"/>
-          </a:fontRef>
-        </p:style>
-        <p:txBody>
-          <a:bodyPr rtlCol="0" anchor="ctr"/>
-          <a:lstStyle>
-            <a:defPPr>
-              <a:defRPr lang="en-US"/>
-            </a:defPPr>
-            <a:lvl1pPr marL="0" algn="l" defTabSz="914400" rtl="0" eaLnBrk="1" latinLnBrk="0" hangingPunct="1">
-              <a:defRPr sz="1800" kern="1200">
-                <a:solidFill>
-                  <a:schemeClr val="lt1"/>
-                </a:solidFill>
-                <a:latin typeface="+mn-lt"/>
-                <a:ea typeface="+mn-ea"/>
-                <a:cs typeface="+mn-cs"/>
-              </a:defRPr>
-            </a:lvl1pPr>
-            <a:lvl2pPr marL="457200" algn="l" defTabSz="914400" rtl="0" eaLnBrk="1" latinLnBrk="0" hangingPunct="1">
-              <a:defRPr sz="1800" kern="1200">
-                <a:solidFill>
-                  <a:schemeClr val="lt1"/>
-                </a:solidFill>
-                <a:latin typeface="+mn-lt"/>
-                <a:ea typeface="+mn-ea"/>
-                <a:cs typeface="+mn-cs"/>
-              </a:defRPr>
-            </a:lvl2pPr>
-            <a:lvl3pPr marL="914400" algn="l" defTabSz="914400" rtl="0" eaLnBrk="1" latinLnBrk="0" hangingPunct="1">
-              <a:defRPr sz="1800" kern="1200">
-                <a:solidFill>
-                  <a:schemeClr val="lt1"/>
-                </a:solidFill>
-                <a:latin typeface="+mn-lt"/>
-                <a:ea typeface="+mn-ea"/>
-                <a:cs typeface="+mn-cs"/>
-              </a:defRPr>
-            </a:lvl3pPr>
-            <a:lvl4pPr marL="1371600" algn="l" defTabSz="914400" rtl="0" eaLnBrk="1" latinLnBrk="0" hangingPunct="1">
-              <a:defRPr sz="1800" kern="1200">
-                <a:solidFill>
-                  <a:schemeClr val="lt1"/>
-                </a:solidFill>
-                <a:latin typeface="+mn-lt"/>
-                <a:ea typeface="+mn-ea"/>
-                <a:cs typeface="+mn-cs"/>
-              </a:defRPr>
-            </a:lvl4pPr>
-            <a:lvl5pPr marL="1828800" algn="l" defTabSz="914400" rtl="0" eaLnBrk="1" latinLnBrk="0" hangingPunct="1">
-              <a:defRPr sz="1800" kern="1200">
-                <a:solidFill>
-                  <a:schemeClr val="lt1"/>
-                </a:solidFill>
-                <a:latin typeface="+mn-lt"/>
-                <a:ea typeface="+mn-ea"/>
-                <a:cs typeface="+mn-cs"/>
-              </a:defRPr>
-            </a:lvl5pPr>
-            <a:lvl6pPr marL="2286000" algn="l" defTabSz="914400" rtl="0" eaLnBrk="1" latinLnBrk="0" hangingPunct="1">
-              <a:defRPr sz="1800" kern="1200">
-                <a:solidFill>
-                  <a:schemeClr val="lt1"/>
-                </a:solidFill>
-                <a:latin typeface="+mn-lt"/>
-                <a:ea typeface="+mn-ea"/>
-                <a:cs typeface="+mn-cs"/>
-              </a:defRPr>
-            </a:lvl6pPr>
-            <a:lvl7pPr marL="2743200" algn="l" defTabSz="914400" rtl="0" eaLnBrk="1" latinLnBrk="0" hangingPunct="1">
-              <a:defRPr sz="1800" kern="1200">
-                <a:solidFill>
-                  <a:schemeClr val="lt1"/>
-                </a:solidFill>
-                <a:latin typeface="+mn-lt"/>
-                <a:ea typeface="+mn-ea"/>
-                <a:cs typeface="+mn-cs"/>
-              </a:defRPr>
-            </a:lvl7pPr>
-            <a:lvl8pPr marL="3200400" algn="l" defTabSz="914400" rtl="0" eaLnBrk="1" latinLnBrk="0" hangingPunct="1">
-              <a:defRPr sz="1800" kern="1200">
-                <a:solidFill>
-                  <a:schemeClr val="lt1"/>
-                </a:solidFill>
-                <a:latin typeface="+mn-lt"/>
-                <a:ea typeface="+mn-ea"/>
-                <a:cs typeface="+mn-cs"/>
-              </a:defRPr>
-            </a:lvl8pPr>
-            <a:lvl9pPr marL="3657600" algn="l" defTabSz="914400" rtl="0" eaLnBrk="1" latinLnBrk="0" hangingPunct="1">
-              <a:defRPr sz="1800" kern="1200">
-                <a:solidFill>
-                  <a:schemeClr val="lt1"/>
-                </a:solidFill>
-                <a:latin typeface="+mn-lt"/>
-                <a:ea typeface="+mn-ea"/>
-                <a:cs typeface="+mn-cs"/>
-              </a:defRPr>
-            </a:lvl9pPr>
-          </a:lstStyle>
-          <a:p>
-            <a:pPr algn="ctr"/>
-            <a:endParaRPr lang="en-US"/>
-          </a:p>
-        </p:txBody>
-      </p:sp>
-      <p:sp>
-        <p:nvSpPr>
-          <p:cNvPr id="17" name="Flowchart: Process 16">
-            <a:extLst>
-              <a:ext uri="{FF2B5EF4-FFF2-40B4-BE49-F238E27FC236}">
-                <a16:creationId xmlns:a16="http://schemas.microsoft.com/office/drawing/2014/main" id="{C6A74717-07FA-1BC6-EAAC-AFE4D702341D}"/>
-              </a:ext>
-            </a:extLst>
-          </p:cNvPr>
-          <p:cNvSpPr/>
-          <p:nvPr/>
-        </p:nvSpPr>
-        <p:spPr>
-          <a:xfrm>
-            <a:off x="4029205" y="1960019"/>
-            <a:ext cx="3937145" cy="3156784"/>
-          </a:xfrm>
-          <a:prstGeom prst="flowChartProcess">
-            <a:avLst/>
-          </a:prstGeom>
-        </p:spPr>
-        <p:style>
-          <a:lnRef idx="2">
-            <a:schemeClr val="accent1">
-              <a:shade val="15000"/>
-            </a:schemeClr>
-          </a:lnRef>
-          <a:fillRef idx="1">
-            <a:schemeClr val="accent1"/>
-          </a:fillRef>
-          <a:effectRef idx="0">
-            <a:schemeClr val="accent1"/>
-          </a:effectRef>
-          <a:fontRef idx="minor">
-            <a:schemeClr val="lt1"/>
-          </a:fontRef>
-        </p:style>
-        <p:txBody>
-          <a:bodyPr lIns="91440" tIns="45720" rIns="91440" bIns="45720" rtlCol="0" anchor="ctr"/>
-          <a:lstStyle>
-            <a:defPPr>
-              <a:defRPr lang="en-US"/>
-            </a:defPPr>
-            <a:lvl1pPr marL="0" algn="l" defTabSz="914400" rtl="0" eaLnBrk="1" latinLnBrk="0" hangingPunct="1">
-              <a:defRPr sz="1800" kern="1200">
-                <a:solidFill>
-                  <a:schemeClr val="lt1"/>
-                </a:solidFill>
-                <a:latin typeface="+mn-lt"/>
-                <a:ea typeface="+mn-ea"/>
-                <a:cs typeface="+mn-cs"/>
-              </a:defRPr>
-            </a:lvl1pPr>
-            <a:lvl2pPr marL="457200" algn="l" defTabSz="914400" rtl="0" eaLnBrk="1" latinLnBrk="0" hangingPunct="1">
-              <a:defRPr sz="1800" kern="1200">
-                <a:solidFill>
-                  <a:schemeClr val="lt1"/>
-                </a:solidFill>
-                <a:latin typeface="+mn-lt"/>
-                <a:ea typeface="+mn-ea"/>
-                <a:cs typeface="+mn-cs"/>
-              </a:defRPr>
-            </a:lvl2pPr>
-            <a:lvl3pPr marL="914400" algn="l" defTabSz="914400" rtl="0" eaLnBrk="1" latinLnBrk="0" hangingPunct="1">
-              <a:defRPr sz="1800" kern="1200">
-                <a:solidFill>
-                  <a:schemeClr val="lt1"/>
-                </a:solidFill>
-                <a:latin typeface="+mn-lt"/>
-                <a:ea typeface="+mn-ea"/>
-                <a:cs typeface="+mn-cs"/>
-              </a:defRPr>
-            </a:lvl3pPr>
-            <a:lvl4pPr marL="1371600" algn="l" defTabSz="914400" rtl="0" eaLnBrk="1" latinLnBrk="0" hangingPunct="1">
-              <a:defRPr sz="1800" kern="1200">
-                <a:solidFill>
-                  <a:schemeClr val="lt1"/>
-                </a:solidFill>
-                <a:latin typeface="+mn-lt"/>
-                <a:ea typeface="+mn-ea"/>
-                <a:cs typeface="+mn-cs"/>
-              </a:defRPr>
-            </a:lvl4pPr>
-            <a:lvl5pPr marL="1828800" algn="l" defTabSz="914400" rtl="0" eaLnBrk="1" latinLnBrk="0" hangingPunct="1">
-              <a:defRPr sz="1800" kern="1200">
-                <a:solidFill>
-                  <a:schemeClr val="lt1"/>
-                </a:solidFill>
-                <a:latin typeface="+mn-lt"/>
-                <a:ea typeface="+mn-ea"/>
-                <a:cs typeface="+mn-cs"/>
-              </a:defRPr>
-            </a:lvl5pPr>
-            <a:lvl6pPr marL="2286000" algn="l" defTabSz="914400" rtl="0" eaLnBrk="1" latinLnBrk="0" hangingPunct="1">
-              <a:defRPr sz="1800" kern="1200">
-                <a:solidFill>
-                  <a:schemeClr val="lt1"/>
-                </a:solidFill>
-                <a:latin typeface="+mn-lt"/>
-                <a:ea typeface="+mn-ea"/>
-                <a:cs typeface="+mn-cs"/>
-              </a:defRPr>
-            </a:lvl6pPr>
-            <a:lvl7pPr marL="2743200" algn="l" defTabSz="914400" rtl="0" eaLnBrk="1" latinLnBrk="0" hangingPunct="1">
-              <a:defRPr sz="1800" kern="1200">
-                <a:solidFill>
-                  <a:schemeClr val="lt1"/>
-                </a:solidFill>
-                <a:latin typeface="+mn-lt"/>
-                <a:ea typeface="+mn-ea"/>
-                <a:cs typeface="+mn-cs"/>
-              </a:defRPr>
-            </a:lvl7pPr>
-            <a:lvl8pPr marL="3200400" algn="l" defTabSz="914400" rtl="0" eaLnBrk="1" latinLnBrk="0" hangingPunct="1">
-              <a:defRPr sz="1800" kern="1200">
-                <a:solidFill>
-                  <a:schemeClr val="lt1"/>
-                </a:solidFill>
-                <a:latin typeface="+mn-lt"/>
-                <a:ea typeface="+mn-ea"/>
-                <a:cs typeface="+mn-cs"/>
-              </a:defRPr>
-            </a:lvl8pPr>
-            <a:lvl9pPr marL="3657600" algn="l" defTabSz="914400" rtl="0" eaLnBrk="1" latinLnBrk="0" hangingPunct="1">
-              <a:defRPr sz="1800" kern="1200">
-                <a:solidFill>
-                  <a:schemeClr val="lt1"/>
-                </a:solidFill>
-                <a:latin typeface="+mn-lt"/>
-                <a:ea typeface="+mn-ea"/>
-                <a:cs typeface="+mn-cs"/>
-              </a:defRPr>
-            </a:lvl9pPr>
-          </a:lstStyle>
-          <a:p>
-            <a:pPr marL="285750" indent="-285750">
-              <a:buFont typeface="Arial"/>
-              <a:buChar char="•"/>
-            </a:pPr>
-            <a:r>
-              <a:rPr lang="en-US" dirty="0"/>
-              <a:t>Make shuffled array by shuffling original array (1,1,2,2...8,8). </a:t>
-            </a:r>
-          </a:p>
-          <a:p>
-            <a:pPr marL="285750" indent="-285750">
-              <a:buFont typeface="Arial"/>
-              <a:buChar char="•"/>
-            </a:pPr>
-            <a:r>
-              <a:rPr lang="en-US" dirty="0"/>
-              <a:t>Make cards array by mapping over shuffled array.</a:t>
-            </a:r>
-          </a:p>
-          <a:p>
-            <a:pPr marL="285750" indent="-285750">
-              <a:buFont typeface="Arial"/>
-              <a:buChar char="•"/>
-            </a:pPr>
-            <a:r>
-              <a:rPr lang="en-US" dirty="0"/>
-              <a:t>remove timer </a:t>
-            </a:r>
-            <a:r>
-              <a:rPr lang="en-US" dirty="0" err="1"/>
-              <a:t>setInterval</a:t>
-            </a:r>
-            <a:r>
-              <a:rPr lang="en-US" dirty="0"/>
-              <a:t>.</a:t>
-            </a:r>
-          </a:p>
-          <a:p>
-            <a:pPr marL="285750" indent="-285750">
-              <a:buFont typeface="Arial"/>
-              <a:buChar char="•"/>
-            </a:pPr>
-            <a:r>
-              <a:rPr lang="en-US" dirty="0"/>
-              <a:t>reset state to </a:t>
-            </a:r>
-            <a:r>
-              <a:rPr lang="en-US" dirty="0" err="1"/>
-              <a:t>initState</a:t>
-            </a:r>
-            <a:r>
-              <a:rPr lang="en-US" dirty="0"/>
-              <a:t>.</a:t>
-            </a:r>
-          </a:p>
-          <a:p>
-            <a:pPr marL="285750" indent="-285750">
-              <a:buFont typeface="Arial"/>
-              <a:buChar char="•"/>
-            </a:pPr>
-            <a:r>
-              <a:rPr lang="en-US" dirty="0"/>
-              <a:t>store our cards array in state.</a:t>
-            </a:r>
-          </a:p>
-          <a:p>
-            <a:pPr marL="285750" indent="-285750">
-              <a:buFont typeface="Arial"/>
-              <a:buChar char="•"/>
-            </a:pPr>
-            <a:r>
-              <a:rPr lang="en-US" dirty="0"/>
-              <a:t>change status to "playing"</a:t>
-            </a:r>
-          </a:p>
-        </p:txBody>
-      </p:sp>
-      <p:sp>
-        <p:nvSpPr>
-          <p:cNvPr id="19" name="Oval 18">
-            <a:extLst>
-              <a:ext uri="{FF2B5EF4-FFF2-40B4-BE49-F238E27FC236}">
-                <a16:creationId xmlns:a16="http://schemas.microsoft.com/office/drawing/2014/main" id="{C9F48EC5-D5F2-AA2C-AA64-9A08AF96A512}"/>
-              </a:ext>
-            </a:extLst>
-          </p:cNvPr>
-          <p:cNvSpPr/>
-          <p:nvPr/>
-        </p:nvSpPr>
-        <p:spPr>
-          <a:xfrm>
-            <a:off x="847141" y="2503444"/>
-            <a:ext cx="2171178" cy="1294356"/>
-          </a:xfrm>
-          <a:prstGeom prst="ellipse">
-            <a:avLst/>
-          </a:prstGeom>
-        </p:spPr>
-        <p:style>
-          <a:lnRef idx="2">
-            <a:schemeClr val="accent1">
-              <a:shade val="15000"/>
-            </a:schemeClr>
-          </a:lnRef>
-          <a:fillRef idx="1">
-            <a:schemeClr val="accent1"/>
-          </a:fillRef>
-          <a:effectRef idx="0">
-            <a:schemeClr val="accent1"/>
-          </a:effectRef>
-          <a:fontRef idx="minor">
-            <a:schemeClr val="lt1"/>
-          </a:fontRef>
-        </p:style>
-        <p:txBody>
-          <a:bodyPr rtlCol="0" anchor="ctr"/>
-          <a:lstStyle/>
-          <a:p>
-            <a:pPr algn="ctr"/>
-            <a:r>
-              <a:rPr lang="en-US" sz="1800" baseline="0">
-                <a:solidFill>
-                  <a:srgbClr val="FFFFFF"/>
-                </a:solidFill>
-                <a:latin typeface="Aptos"/>
-              </a:rPr>
-              <a:t>New game button clicked</a:t>
-            </a:r>
-            <a:r>
-              <a:rPr lang="en-US" sz="1800">
-                <a:latin typeface="Aptos"/>
-                <a:ea typeface="Aptos"/>
-                <a:cs typeface="Aptos"/>
-              </a:rPr>
-              <a:t>​</a:t>
-            </a:r>
-            <a:endParaRPr lang="en-US"/>
-          </a:p>
-        </p:txBody>
-      </p:sp>
-      <p:sp>
-        <p:nvSpPr>
-          <p:cNvPr id="20" name="Arrow: Right 19">
-            <a:extLst>
-              <a:ext uri="{FF2B5EF4-FFF2-40B4-BE49-F238E27FC236}">
-                <a16:creationId xmlns:a16="http://schemas.microsoft.com/office/drawing/2014/main" id="{79B12C4C-3F3A-3B34-E512-46918AB1DE9B}"/>
-              </a:ext>
-            </a:extLst>
-          </p:cNvPr>
-          <p:cNvSpPr/>
-          <p:nvPr/>
-        </p:nvSpPr>
-        <p:spPr>
-          <a:xfrm>
-            <a:off x="7967608" y="2929655"/>
-            <a:ext cx="1012520" cy="386219"/>
-          </a:xfrm>
-          <a:prstGeom prst="rightArrow">
-            <a:avLst/>
-          </a:prstGeom>
-        </p:spPr>
-        <p:style>
-          <a:lnRef idx="2">
-            <a:schemeClr val="accent2">
-              <a:shade val="15000"/>
-            </a:schemeClr>
-          </a:lnRef>
-          <a:fillRef idx="1">
-            <a:schemeClr val="accent2"/>
-          </a:fillRef>
-          <a:effectRef idx="0">
-            <a:schemeClr val="accent2"/>
-          </a:effectRef>
-          <a:fontRef idx="minor">
-            <a:schemeClr val="lt1"/>
-          </a:fontRef>
-        </p:style>
-        <p:txBody>
-          <a:bodyPr rtlCol="0" anchor="ctr"/>
-          <a:lstStyle>
-            <a:defPPr>
-              <a:defRPr lang="en-US"/>
-            </a:defPPr>
-            <a:lvl1pPr marL="0" algn="l" defTabSz="914400" rtl="0" eaLnBrk="1" latinLnBrk="0" hangingPunct="1">
-              <a:defRPr sz="1800" kern="1200">
-                <a:solidFill>
-                  <a:schemeClr val="lt1"/>
-                </a:solidFill>
-                <a:latin typeface="+mn-lt"/>
-                <a:ea typeface="+mn-ea"/>
-                <a:cs typeface="+mn-cs"/>
-              </a:defRPr>
-            </a:lvl1pPr>
-            <a:lvl2pPr marL="457200" algn="l" defTabSz="914400" rtl="0" eaLnBrk="1" latinLnBrk="0" hangingPunct="1">
-              <a:defRPr sz="1800" kern="1200">
-                <a:solidFill>
-                  <a:schemeClr val="lt1"/>
-                </a:solidFill>
-                <a:latin typeface="+mn-lt"/>
-                <a:ea typeface="+mn-ea"/>
-                <a:cs typeface="+mn-cs"/>
-              </a:defRPr>
-            </a:lvl2pPr>
-            <a:lvl3pPr marL="914400" algn="l" defTabSz="914400" rtl="0" eaLnBrk="1" latinLnBrk="0" hangingPunct="1">
-              <a:defRPr sz="1800" kern="1200">
-                <a:solidFill>
-                  <a:schemeClr val="lt1"/>
-                </a:solidFill>
-                <a:latin typeface="+mn-lt"/>
-                <a:ea typeface="+mn-ea"/>
-                <a:cs typeface="+mn-cs"/>
-              </a:defRPr>
-            </a:lvl3pPr>
-            <a:lvl4pPr marL="1371600" algn="l" defTabSz="914400" rtl="0" eaLnBrk="1" latinLnBrk="0" hangingPunct="1">
-              <a:defRPr sz="1800" kern="1200">
-                <a:solidFill>
-                  <a:schemeClr val="lt1"/>
-                </a:solidFill>
-                <a:latin typeface="+mn-lt"/>
-                <a:ea typeface="+mn-ea"/>
-                <a:cs typeface="+mn-cs"/>
-              </a:defRPr>
-            </a:lvl4pPr>
-            <a:lvl5pPr marL="1828800" algn="l" defTabSz="914400" rtl="0" eaLnBrk="1" latinLnBrk="0" hangingPunct="1">
-              <a:defRPr sz="1800" kern="1200">
-                <a:solidFill>
-                  <a:schemeClr val="lt1"/>
-                </a:solidFill>
-                <a:latin typeface="+mn-lt"/>
-                <a:ea typeface="+mn-ea"/>
-                <a:cs typeface="+mn-cs"/>
-              </a:defRPr>
-            </a:lvl5pPr>
-            <a:lvl6pPr marL="2286000" algn="l" defTabSz="914400" rtl="0" eaLnBrk="1" latinLnBrk="0" hangingPunct="1">
-              <a:defRPr sz="1800" kern="1200">
-                <a:solidFill>
-                  <a:schemeClr val="lt1"/>
-                </a:solidFill>
-                <a:latin typeface="+mn-lt"/>
-                <a:ea typeface="+mn-ea"/>
-                <a:cs typeface="+mn-cs"/>
-              </a:defRPr>
-            </a:lvl6pPr>
-            <a:lvl7pPr marL="2743200" algn="l" defTabSz="914400" rtl="0" eaLnBrk="1" latinLnBrk="0" hangingPunct="1">
-              <a:defRPr sz="1800" kern="1200">
-                <a:solidFill>
-                  <a:schemeClr val="lt1"/>
-                </a:solidFill>
-                <a:latin typeface="+mn-lt"/>
-                <a:ea typeface="+mn-ea"/>
-                <a:cs typeface="+mn-cs"/>
-              </a:defRPr>
-            </a:lvl7pPr>
-            <a:lvl8pPr marL="3200400" algn="l" defTabSz="914400" rtl="0" eaLnBrk="1" latinLnBrk="0" hangingPunct="1">
-              <a:defRPr sz="1800" kern="1200">
-                <a:solidFill>
-                  <a:schemeClr val="lt1"/>
-                </a:solidFill>
-                <a:latin typeface="+mn-lt"/>
-                <a:ea typeface="+mn-ea"/>
-                <a:cs typeface="+mn-cs"/>
-              </a:defRPr>
-            </a:lvl8pPr>
-            <a:lvl9pPr marL="3657600" algn="l" defTabSz="914400" rtl="0" eaLnBrk="1" latinLnBrk="0" hangingPunct="1">
-              <a:defRPr sz="1800" kern="1200">
-                <a:solidFill>
-                  <a:schemeClr val="lt1"/>
-                </a:solidFill>
-                <a:latin typeface="+mn-lt"/>
-                <a:ea typeface="+mn-ea"/>
-                <a:cs typeface="+mn-cs"/>
-              </a:defRPr>
-            </a:lvl9pPr>
-          </a:lstStyle>
-          <a:p>
-            <a:pPr algn="ctr"/>
-            <a:endParaRPr lang="en-US"/>
-          </a:p>
-        </p:txBody>
-      </p:sp>
-      <p:sp>
-        <p:nvSpPr>
-          <p:cNvPr id="21" name="Rectangle 20">
-            <a:extLst>
-              <a:ext uri="{FF2B5EF4-FFF2-40B4-BE49-F238E27FC236}">
-                <a16:creationId xmlns:a16="http://schemas.microsoft.com/office/drawing/2014/main" id="{8272EC07-A243-2621-0DE3-17B43C2F679F}"/>
-              </a:ext>
-            </a:extLst>
-          </p:cNvPr>
-          <p:cNvSpPr/>
-          <p:nvPr/>
-        </p:nvSpPr>
-        <p:spPr>
-          <a:xfrm>
-            <a:off x="8979502" y="2305115"/>
-            <a:ext cx="2661780" cy="1638821"/>
+            <a:off x="3409373" y="1143000"/>
+            <a:ext cx="5363226" cy="5494421"/>
           </a:xfrm>
           <a:prstGeom prst="rect">
             <a:avLst/>
           </a:prstGeom>
         </p:spPr>
-        <p:style>
-          <a:lnRef idx="2">
-            <a:schemeClr val="accent1">
-              <a:shade val="15000"/>
-            </a:schemeClr>
-          </a:lnRef>
-          <a:fillRef idx="1">
-            <a:schemeClr val="accent1"/>
-          </a:fillRef>
-          <a:effectRef idx="0">
-            <a:schemeClr val="accent1"/>
-          </a:effectRef>
-          <a:fontRef idx="minor">
-            <a:schemeClr val="lt1"/>
-          </a:fontRef>
-        </p:style>
-        <p:txBody>
-          <a:bodyPr rtlCol="0" anchor="ctr"/>
-          <a:lstStyle/>
-          <a:p>
-            <a:pPr algn="ctr"/>
-            <a:r>
-              <a:rPr lang="en-US" dirty="0"/>
-              <a:t>As state updates, cards are rendered, faced-down.</a:t>
-            </a:r>
-          </a:p>
-        </p:txBody>
-      </p:sp>
+      </p:pic>
     </p:spTree>
     <p:extLst>
       <p:ext uri="{BB962C8B-B14F-4D97-AF65-F5344CB8AC3E}">
-        <p14:creationId xmlns:p14="http://schemas.microsoft.com/office/powerpoint/2010/main" val="36349923"/>
+        <p14:creationId xmlns:p14="http://schemas.microsoft.com/office/powerpoint/2010/main" val="1177175305"/>
       </p:ext>
     </p:extLst>
   </p:cSld>
